--- a/doc/project design.pptx
+++ b/doc/project design.pptx
@@ -105,6 +105,11 @@
       </a:defRPr>
     </a:lvl9pPr>
   </p:defaultTextStyle>
+  <p:extLst>
+    <p:ext uri="{EFAFB233-063F-42B5-8137-9DF3F51BA10A}">
+      <p15:sldGuideLst xmlns:p15="http://schemas.microsoft.com/office/powerpoint/2012/main"/>
+    </p:ext>
+  </p:extLst>
 </p:presentation>
 </file>
 
@@ -239,7 +244,7 @@
           <a:p>
             <a:fld id="{FB0BEECA-A817-4493-B934-56B6BADC5D1C}" type="datetimeFigureOut">
               <a:rPr lang="ko-KR" altLang="en-US" smtClean="0"/>
-              <a:t>2025-09-12</a:t>
+              <a:t>2025-09-16</a:t>
             </a:fld>
             <a:endParaRPr lang="ko-KR" altLang="en-US"/>
           </a:p>
@@ -409,7 +414,7 @@
           <a:p>
             <a:fld id="{FB0BEECA-A817-4493-B934-56B6BADC5D1C}" type="datetimeFigureOut">
               <a:rPr lang="ko-KR" altLang="en-US" smtClean="0"/>
-              <a:t>2025-09-12</a:t>
+              <a:t>2025-09-16</a:t>
             </a:fld>
             <a:endParaRPr lang="ko-KR" altLang="en-US"/>
           </a:p>
@@ -589,7 +594,7 @@
           <a:p>
             <a:fld id="{FB0BEECA-A817-4493-B934-56B6BADC5D1C}" type="datetimeFigureOut">
               <a:rPr lang="ko-KR" altLang="en-US" smtClean="0"/>
-              <a:t>2025-09-12</a:t>
+              <a:t>2025-09-16</a:t>
             </a:fld>
             <a:endParaRPr lang="ko-KR" altLang="en-US"/>
           </a:p>
@@ -759,7 +764,7 @@
           <a:p>
             <a:fld id="{FB0BEECA-A817-4493-B934-56B6BADC5D1C}" type="datetimeFigureOut">
               <a:rPr lang="ko-KR" altLang="en-US" smtClean="0"/>
-              <a:t>2025-09-12</a:t>
+              <a:t>2025-09-16</a:t>
             </a:fld>
             <a:endParaRPr lang="ko-KR" altLang="en-US"/>
           </a:p>
@@ -1005,7 +1010,7 @@
           <a:p>
             <a:fld id="{FB0BEECA-A817-4493-B934-56B6BADC5D1C}" type="datetimeFigureOut">
               <a:rPr lang="ko-KR" altLang="en-US" smtClean="0"/>
-              <a:t>2025-09-12</a:t>
+              <a:t>2025-09-16</a:t>
             </a:fld>
             <a:endParaRPr lang="ko-KR" altLang="en-US"/>
           </a:p>
@@ -1237,7 +1242,7 @@
           <a:p>
             <a:fld id="{FB0BEECA-A817-4493-B934-56B6BADC5D1C}" type="datetimeFigureOut">
               <a:rPr lang="ko-KR" altLang="en-US" smtClean="0"/>
-              <a:t>2025-09-12</a:t>
+              <a:t>2025-09-16</a:t>
             </a:fld>
             <a:endParaRPr lang="ko-KR" altLang="en-US"/>
           </a:p>
@@ -1604,7 +1609,7 @@
           <a:p>
             <a:fld id="{FB0BEECA-A817-4493-B934-56B6BADC5D1C}" type="datetimeFigureOut">
               <a:rPr lang="ko-KR" altLang="en-US" smtClean="0"/>
-              <a:t>2025-09-12</a:t>
+              <a:t>2025-09-16</a:t>
             </a:fld>
             <a:endParaRPr lang="ko-KR" altLang="en-US"/>
           </a:p>
@@ -1722,7 +1727,7 @@
           <a:p>
             <a:fld id="{FB0BEECA-A817-4493-B934-56B6BADC5D1C}" type="datetimeFigureOut">
               <a:rPr lang="ko-KR" altLang="en-US" smtClean="0"/>
-              <a:t>2025-09-12</a:t>
+              <a:t>2025-09-16</a:t>
             </a:fld>
             <a:endParaRPr lang="ko-KR" altLang="en-US"/>
           </a:p>
@@ -1817,7 +1822,7 @@
           <a:p>
             <a:fld id="{FB0BEECA-A817-4493-B934-56B6BADC5D1C}" type="datetimeFigureOut">
               <a:rPr lang="ko-KR" altLang="en-US" smtClean="0"/>
-              <a:t>2025-09-12</a:t>
+              <a:t>2025-09-16</a:t>
             </a:fld>
             <a:endParaRPr lang="ko-KR" altLang="en-US"/>
           </a:p>
@@ -2094,7 +2099,7 @@
           <a:p>
             <a:fld id="{FB0BEECA-A817-4493-B934-56B6BADC5D1C}" type="datetimeFigureOut">
               <a:rPr lang="ko-KR" altLang="en-US" smtClean="0"/>
-              <a:t>2025-09-12</a:t>
+              <a:t>2025-09-16</a:t>
             </a:fld>
             <a:endParaRPr lang="ko-KR" altLang="en-US"/>
           </a:p>
@@ -2347,7 +2352,7 @@
           <a:p>
             <a:fld id="{FB0BEECA-A817-4493-B934-56B6BADC5D1C}" type="datetimeFigureOut">
               <a:rPr lang="ko-KR" altLang="en-US" smtClean="0"/>
-              <a:t>2025-09-12</a:t>
+              <a:t>2025-09-16</a:t>
             </a:fld>
             <a:endParaRPr lang="ko-KR" altLang="en-US"/>
           </a:p>
@@ -2560,7 +2565,7 @@
           <a:p>
             <a:fld id="{FB0BEECA-A817-4493-B934-56B6BADC5D1C}" type="datetimeFigureOut">
               <a:rPr lang="ko-KR" altLang="en-US" smtClean="0"/>
-              <a:t>2025-09-12</a:t>
+              <a:t>2025-09-16</a:t>
             </a:fld>
             <a:endParaRPr lang="ko-KR" altLang="en-US"/>
           </a:p>
@@ -3892,14 +3897,14 @@
           <p:nvPr>
             <p:extLst>
               <p:ext uri="{D42A27DB-BD31-4B8C-83A1-F6EECF244321}">
-                <p14:modId xmlns:p14="http://schemas.microsoft.com/office/powerpoint/2010/main" val="887275120"/>
+                <p14:modId xmlns:p14="http://schemas.microsoft.com/office/powerpoint/2010/main" val="2649730461"/>
               </p:ext>
             </p:extLst>
           </p:nvPr>
         </p:nvGraphicFramePr>
         <p:xfrm>
           <a:off x="1230335" y="3912660"/>
-          <a:ext cx="8128001" cy="3718560"/>
+          <a:ext cx="8128001" cy="6558280"/>
         </p:xfrm>
         <a:graphic>
           <a:graphicData uri="http://schemas.openxmlformats.org/drawingml/2006/table">
@@ -4135,6 +4140,10 @@
                     <a:lstStyle/>
                     <a:p>
                       <a:pPr latinLnBrk="1"/>
+                      <a:r>
+                        <a:rPr lang="en-US" altLang="ko-KR" dirty="0" smtClean="0"/>
+                        <a:t>DEFAULT </a:t>
+                      </a:r>
                       <a:endParaRPr lang="ko-KR" altLang="en-US" dirty="0"/>
                     </a:p>
                   </a:txBody>
@@ -4189,8 +4198,8 @@
                     <a:p>
                       <a:pPr latinLnBrk="1"/>
                       <a:r>
-                        <a:rPr lang="en-US" altLang="ko-KR" dirty="0" err="1" smtClean="0"/>
-                        <a:t>Int</a:t>
+                        <a:rPr lang="en-US" altLang="ko-KR" dirty="0" smtClean="0"/>
+                        <a:t>VARCHAR(45)</a:t>
                       </a:r>
                       <a:endParaRPr lang="ko-KR" altLang="en-US" dirty="0"/>
                     </a:p>
@@ -4274,6 +4283,98 @@
                     <a:p>
                       <a:pPr latinLnBrk="1"/>
                       <a:r>
+                        <a:rPr lang="en-US" altLang="ko-KR" dirty="0" err="1" smtClean="0"/>
+                        <a:t>user_pw</a:t>
+                      </a:r>
+                      <a:endParaRPr lang="ko-KR" altLang="en-US" dirty="0"/>
+                    </a:p>
+                  </a:txBody>
+                  <a:tcPr/>
+                </a:tc>
+                <a:tc>
+                  <a:txBody>
+                    <a:bodyPr/>
+                    <a:lstStyle/>
+                    <a:p>
+                      <a:pPr latinLnBrk="1"/>
+                      <a:r>
+                        <a:rPr lang="en-US" altLang="ko-KR" dirty="0" smtClean="0"/>
+                        <a:t>VARCHAR(255)</a:t>
+                      </a:r>
+                      <a:endParaRPr lang="ko-KR" altLang="en-US" dirty="0"/>
+                    </a:p>
+                  </a:txBody>
+                  <a:tcPr/>
+                </a:tc>
+                <a:tc>
+                  <a:txBody>
+                    <a:bodyPr/>
+                    <a:lstStyle/>
+                    <a:p>
+                      <a:pPr latinLnBrk="1"/>
+                      <a:endParaRPr lang="ko-KR" altLang="en-US" dirty="0"/>
+                    </a:p>
+                  </a:txBody>
+                  <a:tcPr/>
+                </a:tc>
+                <a:tc>
+                  <a:txBody>
+                    <a:bodyPr/>
+                    <a:lstStyle/>
+                    <a:p>
+                      <a:pPr latinLnBrk="1"/>
+                      <a:endParaRPr lang="ko-KR" altLang="en-US" dirty="0"/>
+                    </a:p>
+                  </a:txBody>
+                  <a:tcPr/>
+                </a:tc>
+                <a:tc>
+                  <a:txBody>
+                    <a:bodyPr/>
+                    <a:lstStyle/>
+                    <a:p>
+                      <a:pPr latinLnBrk="1"/>
+                      <a:endParaRPr lang="ko-KR" altLang="en-US" dirty="0"/>
+                    </a:p>
+                  </a:txBody>
+                  <a:tcPr/>
+                </a:tc>
+                <a:tc>
+                  <a:txBody>
+                    <a:bodyPr/>
+                    <a:lstStyle/>
+                    <a:p>
+                      <a:pPr latinLnBrk="1"/>
+                      <a:endParaRPr lang="ko-KR" altLang="en-US" dirty="0"/>
+                    </a:p>
+                  </a:txBody>
+                  <a:tcPr/>
+                </a:tc>
+                <a:tc>
+                  <a:txBody>
+                    <a:bodyPr/>
+                    <a:lstStyle/>
+                    <a:p>
+                      <a:pPr latinLnBrk="1"/>
+                      <a:endParaRPr lang="ko-KR" altLang="en-US" dirty="0"/>
+                    </a:p>
+                  </a:txBody>
+                  <a:tcPr/>
+                </a:tc>
+                <a:extLst>
+                  <a:ext uri="{0D108BD9-81ED-4DB2-BD59-A6C34878D82A}">
+                    <a16:rowId xmlns:a16="http://schemas.microsoft.com/office/drawing/2014/main" val="3623716174"/>
+                  </a:ext>
+                </a:extLst>
+              </a:tr>
+              <a:tr h="370840">
+                <a:tc>
+                  <a:txBody>
+                    <a:bodyPr/>
+                    <a:lstStyle/>
+                    <a:p>
+                      <a:pPr latinLnBrk="1"/>
+                      <a:r>
                         <a:rPr lang="en-US" altLang="ko-KR" dirty="0" smtClean="0"/>
                         <a:t>nickname</a:t>
                       </a:r>
@@ -4336,7 +4437,7 @@
                     <a:lstStyle/>
                     <a:p>
                       <a:pPr latinLnBrk="1"/>
-                      <a:endParaRPr lang="ko-KR" altLang="en-US"/>
+                      <a:endParaRPr lang="ko-KR" altLang="en-US" dirty="0"/>
                     </a:p>
                   </a:txBody>
                   <a:tcPr/>
@@ -4367,6 +4468,98 @@
                       <a:pPr latinLnBrk="1"/>
                       <a:r>
                         <a:rPr lang="en-US" altLang="ko-KR" dirty="0" smtClean="0"/>
+                        <a:t>roles</a:t>
+                      </a:r>
+                      <a:endParaRPr lang="ko-KR" altLang="en-US" dirty="0"/>
+                    </a:p>
+                  </a:txBody>
+                  <a:tcPr/>
+                </a:tc>
+                <a:tc>
+                  <a:txBody>
+                    <a:bodyPr/>
+                    <a:lstStyle/>
+                    <a:p>
+                      <a:pPr latinLnBrk="1"/>
+                      <a:r>
+                        <a:rPr lang="en-US" altLang="ko-KR" dirty="0" smtClean="0"/>
+                        <a:t>VARCHAR(45)</a:t>
+                      </a:r>
+                      <a:endParaRPr lang="ko-KR" altLang="en-US" dirty="0"/>
+                    </a:p>
+                  </a:txBody>
+                  <a:tcPr/>
+                </a:tc>
+                <a:tc>
+                  <a:txBody>
+                    <a:bodyPr/>
+                    <a:lstStyle/>
+                    <a:p>
+                      <a:pPr latinLnBrk="1"/>
+                      <a:endParaRPr lang="ko-KR" altLang="en-US" dirty="0"/>
+                    </a:p>
+                  </a:txBody>
+                  <a:tcPr/>
+                </a:tc>
+                <a:tc>
+                  <a:txBody>
+                    <a:bodyPr/>
+                    <a:lstStyle/>
+                    <a:p>
+                      <a:pPr latinLnBrk="1"/>
+                      <a:endParaRPr lang="ko-KR" altLang="en-US" dirty="0"/>
+                    </a:p>
+                  </a:txBody>
+                  <a:tcPr/>
+                </a:tc>
+                <a:tc>
+                  <a:txBody>
+                    <a:bodyPr/>
+                    <a:lstStyle/>
+                    <a:p>
+                      <a:pPr latinLnBrk="1"/>
+                      <a:endParaRPr lang="ko-KR" altLang="en-US"/>
+                    </a:p>
+                  </a:txBody>
+                  <a:tcPr/>
+                </a:tc>
+                <a:tc>
+                  <a:txBody>
+                    <a:bodyPr/>
+                    <a:lstStyle/>
+                    <a:p>
+                      <a:pPr latinLnBrk="1"/>
+                      <a:endParaRPr lang="ko-KR" altLang="en-US"/>
+                    </a:p>
+                  </a:txBody>
+                  <a:tcPr/>
+                </a:tc>
+                <a:tc>
+                  <a:txBody>
+                    <a:bodyPr/>
+                    <a:lstStyle/>
+                    <a:p>
+                      <a:pPr latinLnBrk="1"/>
+                      <a:endParaRPr lang="ko-KR" altLang="en-US" dirty="0"/>
+                    </a:p>
+                  </a:txBody>
+                  <a:tcPr/>
+                </a:tc>
+                <a:extLst>
+                  <a:ext uri="{0D108BD9-81ED-4DB2-BD59-A6C34878D82A}">
+                    <a16:rowId xmlns:a16="http://schemas.microsoft.com/office/drawing/2014/main" val="2198273196"/>
+                  </a:ext>
+                </a:extLst>
+              </a:tr>
+              <a:tr h="370840">
+                <a:tc>
+                  <a:txBody>
+                    <a:bodyPr/>
+                    <a:lstStyle/>
+                    <a:p>
+                      <a:pPr latinLnBrk="1"/>
+                      <a:r>
+                        <a:rPr lang="en-US" altLang="ko-KR" dirty="0" smtClean="0"/>
                         <a:t>email</a:t>
                       </a:r>
                       <a:endParaRPr lang="ko-KR" altLang="en-US" dirty="0"/>
@@ -4456,26 +4649,257 @@
                     <a:bodyPr/>
                     <a:lstStyle/>
                     <a:p>
-                      <a:pPr latinLnBrk="1"/>
+                      <a:pPr marL="0" marR="0" indent="0" algn="l" defTabSz="914400" rtl="0" eaLnBrk="1" fontAlgn="auto" latinLnBrk="1" hangingPunct="1">
+                        <a:lnSpc>
+                          <a:spcPct val="100000"/>
+                        </a:lnSpc>
+                        <a:spcBef>
+                          <a:spcPts val="0"/>
+                        </a:spcBef>
+                        <a:spcAft>
+                          <a:spcPts val="0"/>
+                        </a:spcAft>
+                        <a:buClrTx/>
+                        <a:buSzTx/>
+                        <a:buFontTx/>
+                        <a:buNone/>
+                        <a:tabLst/>
+                        <a:defRPr/>
+                      </a:pPr>
                       <a:r>
                         <a:rPr lang="en-US" altLang="ko-KR" dirty="0" err="1" smtClean="0"/>
                         <a:t>Profile_image_url</a:t>
                       </a:r>
-                      <a:endParaRPr lang="ko-KR" altLang="en-US" dirty="0"/>
-                    </a:p>
-                  </a:txBody>
-                  <a:tcPr/>
-                </a:tc>
-                <a:tc>
-                  <a:txBody>
-                    <a:bodyPr/>
-                    <a:lstStyle/>
-                    <a:p>
-                      <a:pPr latinLnBrk="1"/>
+                      <a:endParaRPr lang="ko-KR" altLang="en-US" dirty="0" smtClean="0"/>
+                    </a:p>
+                    <a:p>
+                      <a:pPr latinLnBrk="1"/>
+                      <a:endParaRPr lang="ko-KR" altLang="en-US" dirty="0"/>
+                    </a:p>
+                  </a:txBody>
+                  <a:tcPr/>
+                </a:tc>
+                <a:tc>
+                  <a:txBody>
+                    <a:bodyPr/>
+                    <a:lstStyle/>
+                    <a:p>
+                      <a:pPr marL="0" marR="0" indent="0" algn="l" defTabSz="914400" rtl="0" eaLnBrk="1" fontAlgn="auto" latinLnBrk="1" hangingPunct="1">
+                        <a:lnSpc>
+                          <a:spcPct val="100000"/>
+                        </a:lnSpc>
+                        <a:spcBef>
+                          <a:spcPts val="0"/>
+                        </a:spcBef>
+                        <a:spcAft>
+                          <a:spcPts val="0"/>
+                        </a:spcAft>
+                        <a:buClrTx/>
+                        <a:buSzTx/>
+                        <a:buFontTx/>
+                        <a:buNone/>
+                        <a:tabLst/>
+                        <a:defRPr/>
+                      </a:pPr>
                       <a:r>
                         <a:rPr lang="en-US" altLang="ko-KR" baseline="0" dirty="0" smtClean="0"/>
                         <a:t>VARCHAR(255)</a:t>
                       </a:r>
+                    </a:p>
+                  </a:txBody>
+                  <a:tcPr/>
+                </a:tc>
+                <a:tc>
+                  <a:txBody>
+                    <a:bodyPr/>
+                    <a:lstStyle/>
+                    <a:p>
+                      <a:pPr latinLnBrk="1"/>
+                      <a:endParaRPr lang="ko-KR" altLang="en-US" dirty="0"/>
+                    </a:p>
+                  </a:txBody>
+                  <a:tcPr/>
+                </a:tc>
+                <a:tc>
+                  <a:txBody>
+                    <a:bodyPr/>
+                    <a:lstStyle/>
+                    <a:p>
+                      <a:pPr latinLnBrk="1"/>
+                      <a:endParaRPr lang="ko-KR" altLang="en-US"/>
+                    </a:p>
+                  </a:txBody>
+                  <a:tcPr/>
+                </a:tc>
+                <a:tc>
+                  <a:txBody>
+                    <a:bodyPr/>
+                    <a:lstStyle/>
+                    <a:p>
+                      <a:pPr latinLnBrk="1"/>
+                      <a:endParaRPr lang="ko-KR" altLang="en-US"/>
+                    </a:p>
+                  </a:txBody>
+                  <a:tcPr/>
+                </a:tc>
+                <a:tc>
+                  <a:txBody>
+                    <a:bodyPr/>
+                    <a:lstStyle/>
+                    <a:p>
+                      <a:pPr latinLnBrk="1"/>
+                      <a:endParaRPr lang="ko-KR" altLang="en-US"/>
+                    </a:p>
+                  </a:txBody>
+                  <a:tcPr/>
+                </a:tc>
+                <a:tc>
+                  <a:txBody>
+                    <a:bodyPr/>
+                    <a:lstStyle/>
+                    <a:p>
+                      <a:pPr latinLnBrk="1"/>
+                      <a:endParaRPr lang="ko-KR" altLang="en-US" dirty="0"/>
+                    </a:p>
+                  </a:txBody>
+                  <a:tcPr/>
+                </a:tc>
+                <a:extLst>
+                  <a:ext uri="{0D108BD9-81ED-4DB2-BD59-A6C34878D82A}">
+                    <a16:rowId xmlns:a16="http://schemas.microsoft.com/office/drawing/2014/main" val="3554467384"/>
+                  </a:ext>
+                </a:extLst>
+              </a:tr>
+              <a:tr h="370840">
+                <a:tc>
+                  <a:txBody>
+                    <a:bodyPr/>
+                    <a:lstStyle/>
+                    <a:p>
+                      <a:pPr latinLnBrk="1"/>
+                      <a:r>
+                        <a:rPr lang="en-US" altLang="ko-KR" dirty="0" err="1" smtClean="0"/>
+                        <a:t>Created_at</a:t>
+                      </a:r>
+                      <a:endParaRPr lang="ko-KR" altLang="en-US" dirty="0"/>
+                    </a:p>
+                  </a:txBody>
+                  <a:tcPr/>
+                </a:tc>
+                <a:tc>
+                  <a:txBody>
+                    <a:bodyPr/>
+                    <a:lstStyle/>
+                    <a:p>
+                      <a:pPr marL="0" marR="0" indent="0" algn="l" defTabSz="914400" rtl="0" eaLnBrk="1" fontAlgn="auto" latinLnBrk="1" hangingPunct="1">
+                        <a:lnSpc>
+                          <a:spcPct val="100000"/>
+                        </a:lnSpc>
+                        <a:spcBef>
+                          <a:spcPts val="0"/>
+                        </a:spcBef>
+                        <a:spcAft>
+                          <a:spcPts val="0"/>
+                        </a:spcAft>
+                        <a:buClrTx/>
+                        <a:buSzTx/>
+                        <a:buFontTx/>
+                        <a:buNone/>
+                        <a:tabLst/>
+                        <a:defRPr/>
+                      </a:pPr>
+                      <a:r>
+                        <a:rPr lang="en-US" altLang="ko-KR" baseline="0" dirty="0" smtClean="0"/>
+                        <a:t>TIMESTAMP</a:t>
+                      </a:r>
+                    </a:p>
+                  </a:txBody>
+                  <a:tcPr/>
+                </a:tc>
+                <a:tc>
+                  <a:txBody>
+                    <a:bodyPr/>
+                    <a:lstStyle/>
+                    <a:p>
+                      <a:pPr latinLnBrk="1"/>
+                      <a:endParaRPr lang="ko-KR" altLang="en-US" dirty="0"/>
+                    </a:p>
+                  </a:txBody>
+                  <a:tcPr/>
+                </a:tc>
+                <a:tc>
+                  <a:txBody>
+                    <a:bodyPr/>
+                    <a:lstStyle/>
+                    <a:p>
+                      <a:pPr latinLnBrk="1"/>
+                      <a:endParaRPr lang="ko-KR" altLang="en-US"/>
+                    </a:p>
+                  </a:txBody>
+                  <a:tcPr/>
+                </a:tc>
+                <a:tc>
+                  <a:txBody>
+                    <a:bodyPr/>
+                    <a:lstStyle/>
+                    <a:p>
+                      <a:pPr latinLnBrk="1"/>
+                      <a:endParaRPr lang="ko-KR" altLang="en-US" dirty="0"/>
+                    </a:p>
+                  </a:txBody>
+                  <a:tcPr/>
+                </a:tc>
+                <a:tc>
+                  <a:txBody>
+                    <a:bodyPr/>
+                    <a:lstStyle/>
+                    <a:p>
+                      <a:pPr latinLnBrk="1"/>
+                      <a:endParaRPr lang="ko-KR" altLang="en-US"/>
+                    </a:p>
+                  </a:txBody>
+                  <a:tcPr/>
+                </a:tc>
+                <a:tc>
+                  <a:txBody>
+                    <a:bodyPr/>
+                    <a:lstStyle/>
+                    <a:p>
+                      <a:pPr latinLnBrk="1"/>
+                      <a:r>
+                        <a:rPr lang="en-US" altLang="ko-KR" smtClean="0"/>
+                        <a:t>CURRENT_TIMESTAMP</a:t>
+                      </a:r>
+                      <a:endParaRPr lang="ko-KR" altLang="en-US" dirty="0"/>
+                    </a:p>
+                  </a:txBody>
+                  <a:tcPr/>
+                </a:tc>
+                <a:extLst>
+                  <a:ext uri="{0D108BD9-81ED-4DB2-BD59-A6C34878D82A}">
+                    <a16:rowId xmlns:a16="http://schemas.microsoft.com/office/drawing/2014/main" val="559530565"/>
+                  </a:ext>
+                </a:extLst>
+              </a:tr>
+              <a:tr h="370840">
+                <a:tc>
+                  <a:txBody>
+                    <a:bodyPr/>
+                    <a:lstStyle/>
+                    <a:p>
+                      <a:pPr latinLnBrk="1"/>
+                      <a:endParaRPr lang="ko-KR" altLang="en-US" dirty="0"/>
+                    </a:p>
+                  </a:txBody>
+                  <a:tcPr/>
+                </a:tc>
+                <a:tc>
+                  <a:txBody>
+                    <a:bodyPr/>
+                    <a:lstStyle/>
+                    <a:p>
+                      <a:pPr latinLnBrk="1"/>
+                      <a:endParaRPr lang="en-US" altLang="ko-KR" baseline="0" dirty="0" smtClean="0"/>
                     </a:p>
                   </a:txBody>
                   <a:tcPr/>

--- a/doc/project design.pptx
+++ b/doc/project design.pptx
@@ -7,6 +7,8 @@
   <p:sldIdLst>
     <p:sldId id="256" r:id="rId2"/>
     <p:sldId id="257" r:id="rId3"/>
+    <p:sldId id="258" r:id="rId4"/>
+    <p:sldId id="259" r:id="rId5"/>
   </p:sldIdLst>
   <p:sldSz cx="12192000" cy="6858000"/>
   <p:notesSz cx="6858000" cy="9144000"/>
@@ -244,7 +246,7 @@
           <a:p>
             <a:fld id="{FB0BEECA-A817-4493-B934-56B6BADC5D1C}" type="datetimeFigureOut">
               <a:rPr lang="ko-KR" altLang="en-US" smtClean="0"/>
-              <a:t>2025-09-16</a:t>
+              <a:t>2025-09-17</a:t>
             </a:fld>
             <a:endParaRPr lang="ko-KR" altLang="en-US"/>
           </a:p>
@@ -414,7 +416,7 @@
           <a:p>
             <a:fld id="{FB0BEECA-A817-4493-B934-56B6BADC5D1C}" type="datetimeFigureOut">
               <a:rPr lang="ko-KR" altLang="en-US" smtClean="0"/>
-              <a:t>2025-09-16</a:t>
+              <a:t>2025-09-17</a:t>
             </a:fld>
             <a:endParaRPr lang="ko-KR" altLang="en-US"/>
           </a:p>
@@ -594,7 +596,7 @@
           <a:p>
             <a:fld id="{FB0BEECA-A817-4493-B934-56B6BADC5D1C}" type="datetimeFigureOut">
               <a:rPr lang="ko-KR" altLang="en-US" smtClean="0"/>
-              <a:t>2025-09-16</a:t>
+              <a:t>2025-09-17</a:t>
             </a:fld>
             <a:endParaRPr lang="ko-KR" altLang="en-US"/>
           </a:p>
@@ -764,7 +766,7 @@
           <a:p>
             <a:fld id="{FB0BEECA-A817-4493-B934-56B6BADC5D1C}" type="datetimeFigureOut">
               <a:rPr lang="ko-KR" altLang="en-US" smtClean="0"/>
-              <a:t>2025-09-16</a:t>
+              <a:t>2025-09-17</a:t>
             </a:fld>
             <a:endParaRPr lang="ko-KR" altLang="en-US"/>
           </a:p>
@@ -1010,7 +1012,7 @@
           <a:p>
             <a:fld id="{FB0BEECA-A817-4493-B934-56B6BADC5D1C}" type="datetimeFigureOut">
               <a:rPr lang="ko-KR" altLang="en-US" smtClean="0"/>
-              <a:t>2025-09-16</a:t>
+              <a:t>2025-09-17</a:t>
             </a:fld>
             <a:endParaRPr lang="ko-KR" altLang="en-US"/>
           </a:p>
@@ -1242,7 +1244,7 @@
           <a:p>
             <a:fld id="{FB0BEECA-A817-4493-B934-56B6BADC5D1C}" type="datetimeFigureOut">
               <a:rPr lang="ko-KR" altLang="en-US" smtClean="0"/>
-              <a:t>2025-09-16</a:t>
+              <a:t>2025-09-17</a:t>
             </a:fld>
             <a:endParaRPr lang="ko-KR" altLang="en-US"/>
           </a:p>
@@ -1609,7 +1611,7 @@
           <a:p>
             <a:fld id="{FB0BEECA-A817-4493-B934-56B6BADC5D1C}" type="datetimeFigureOut">
               <a:rPr lang="ko-KR" altLang="en-US" smtClean="0"/>
-              <a:t>2025-09-16</a:t>
+              <a:t>2025-09-17</a:t>
             </a:fld>
             <a:endParaRPr lang="ko-KR" altLang="en-US"/>
           </a:p>
@@ -1727,7 +1729,7 @@
           <a:p>
             <a:fld id="{FB0BEECA-A817-4493-B934-56B6BADC5D1C}" type="datetimeFigureOut">
               <a:rPr lang="ko-KR" altLang="en-US" smtClean="0"/>
-              <a:t>2025-09-16</a:t>
+              <a:t>2025-09-17</a:t>
             </a:fld>
             <a:endParaRPr lang="ko-KR" altLang="en-US"/>
           </a:p>
@@ -1822,7 +1824,7 @@
           <a:p>
             <a:fld id="{FB0BEECA-A817-4493-B934-56B6BADC5D1C}" type="datetimeFigureOut">
               <a:rPr lang="ko-KR" altLang="en-US" smtClean="0"/>
-              <a:t>2025-09-16</a:t>
+              <a:t>2025-09-17</a:t>
             </a:fld>
             <a:endParaRPr lang="ko-KR" altLang="en-US"/>
           </a:p>
@@ -2099,7 +2101,7 @@
           <a:p>
             <a:fld id="{FB0BEECA-A817-4493-B934-56B6BADC5D1C}" type="datetimeFigureOut">
               <a:rPr lang="ko-KR" altLang="en-US" smtClean="0"/>
-              <a:t>2025-09-16</a:t>
+              <a:t>2025-09-17</a:t>
             </a:fld>
             <a:endParaRPr lang="ko-KR" altLang="en-US"/>
           </a:p>
@@ -2352,7 +2354,7 @@
           <a:p>
             <a:fld id="{FB0BEECA-A817-4493-B934-56B6BADC5D1C}" type="datetimeFigureOut">
               <a:rPr lang="ko-KR" altLang="en-US" smtClean="0"/>
-              <a:t>2025-09-16</a:t>
+              <a:t>2025-09-17</a:t>
             </a:fld>
             <a:endParaRPr lang="ko-KR" altLang="en-US"/>
           </a:p>
@@ -2565,7 +2567,7 @@
           <a:p>
             <a:fld id="{FB0BEECA-A817-4493-B934-56B6BADC5D1C}" type="datetimeFigureOut">
               <a:rPr lang="ko-KR" altLang="en-US" smtClean="0"/>
-              <a:t>2025-09-16</a:t>
+              <a:t>2025-09-17</a:t>
             </a:fld>
             <a:endParaRPr lang="ko-KR" altLang="en-US"/>
           </a:p>
@@ -2970,44 +2972,6 @@
           <a:chExt cx="0" cy="0"/>
         </a:xfrm>
       </p:grpSpPr>
-      <p:sp>
-        <p:nvSpPr>
-          <p:cNvPr id="2" name="제목 1"/>
-          <p:cNvSpPr>
-            <a:spLocks noGrp="1"/>
-          </p:cNvSpPr>
-          <p:nvPr>
-            <p:ph type="ctrTitle"/>
-          </p:nvPr>
-        </p:nvSpPr>
-        <p:spPr/>
-        <p:txBody>
-          <a:bodyPr/>
-          <a:lstStyle/>
-          <a:p>
-            <a:endParaRPr lang="ko-KR" altLang="en-US" dirty="0"/>
-          </a:p>
-        </p:txBody>
-      </p:sp>
-      <p:sp>
-        <p:nvSpPr>
-          <p:cNvPr id="3" name="부제목 2"/>
-          <p:cNvSpPr>
-            <a:spLocks noGrp="1"/>
-          </p:cNvSpPr>
-          <p:nvPr>
-            <p:ph type="subTitle" idx="1"/>
-          </p:nvPr>
-        </p:nvSpPr>
-        <p:spPr/>
-        <p:txBody>
-          <a:bodyPr/>
-          <a:lstStyle/>
-          <a:p>
-            <a:endParaRPr lang="ko-KR" altLang="en-US"/>
-          </a:p>
-        </p:txBody>
-      </p:sp>
       <p:graphicFrame>
         <p:nvGraphicFramePr>
           <p:cNvPr id="4" name="표 3"/>
@@ -3217,11 +3181,17 @@
           <p:cNvGraphicFramePr>
             <a:graphicFrameLocks noGrp="1"/>
           </p:cNvGraphicFramePr>
-          <p:nvPr/>
+          <p:nvPr>
+            <p:extLst>
+              <p:ext uri="{D42A27DB-BD31-4B8C-83A1-F6EECF244321}">
+                <p14:modId xmlns:p14="http://schemas.microsoft.com/office/powerpoint/2010/main" val="3386914060"/>
+              </p:ext>
+            </p:extLst>
+          </p:nvPr>
         </p:nvGraphicFramePr>
         <p:xfrm>
-          <a:off x="2032000" y="719666"/>
-          <a:ext cx="8128000" cy="370840"/>
+          <a:off x="2032000" y="2685626"/>
+          <a:ext cx="8128000" cy="2931160"/>
         </p:xfrm>
         <a:graphic>
           <a:graphicData uri="http://schemas.openxmlformats.org/drawingml/2006/table">
@@ -3245,6 +3215,152 @@
                     <a:lstStyle/>
                     <a:p>
                       <a:pPr latinLnBrk="1"/>
+                      <a:r>
+                        <a:rPr lang="ko-KR" altLang="en-US" dirty="0" smtClean="0"/>
+                        <a:t>기획 </a:t>
+                      </a:r>
+                      <a:r>
+                        <a:rPr lang="en-US" altLang="ko-KR" dirty="0" smtClean="0"/>
+                        <a:t>:</a:t>
+                      </a:r>
+                    </a:p>
+                    <a:p>
+                      <a:pPr latinLnBrk="1"/>
+                      <a:r>
+                        <a:rPr lang="ko-KR" altLang="en-US" dirty="0" smtClean="0"/>
+                        <a:t>주제 </a:t>
+                      </a:r>
+                      <a:r>
+                        <a:rPr lang="en-US" altLang="ko-KR" dirty="0" smtClean="0"/>
+                        <a:t>: </a:t>
+                      </a:r>
+                      <a:r>
+                        <a:rPr lang="ko-KR" altLang="en-US" dirty="0" smtClean="0"/>
+                        <a:t>디지털 </a:t>
+                      </a:r>
+                      <a:r>
+                        <a:rPr lang="ko-KR" altLang="en-US" dirty="0" err="1" smtClean="0"/>
+                        <a:t>마켓플레이스</a:t>
+                      </a:r>
+                      <a:endParaRPr lang="en-US" altLang="ko-KR" dirty="0" smtClean="0"/>
+                    </a:p>
+                    <a:p>
+                      <a:pPr latinLnBrk="1"/>
+                      <a:r>
+                        <a:rPr lang="ko-KR" altLang="en-US" dirty="0" smtClean="0"/>
+                        <a:t>커뮤니티 </a:t>
+                      </a:r>
+                      <a:r>
+                        <a:rPr lang="en-US" altLang="ko-KR" dirty="0" smtClean="0"/>
+                        <a:t>+</a:t>
+                      </a:r>
+                      <a:r>
+                        <a:rPr lang="en-US" altLang="ko-KR" baseline="0" dirty="0" smtClean="0"/>
+                        <a:t> </a:t>
+                      </a:r>
+                      <a:r>
+                        <a:rPr lang="ko-KR" altLang="en-US" baseline="0" dirty="0" err="1" smtClean="0"/>
+                        <a:t>인디</a:t>
+                      </a:r>
+                      <a:r>
+                        <a:rPr lang="ko-KR" altLang="en-US" baseline="0" dirty="0" smtClean="0"/>
+                        <a:t> 게임 판매 조합</a:t>
+                      </a:r>
+                      <a:endParaRPr lang="en-US" altLang="ko-KR" baseline="0" dirty="0" smtClean="0"/>
+                    </a:p>
+                    <a:p>
+                      <a:pPr latinLnBrk="1"/>
+                      <a:endParaRPr lang="en-US" altLang="ko-KR" dirty="0" smtClean="0"/>
+                    </a:p>
+                    <a:p>
+                      <a:pPr latinLnBrk="1"/>
+                      <a:r>
+                        <a:rPr lang="ko-KR" altLang="en-US" dirty="0" smtClean="0"/>
+                        <a:t>구성</a:t>
+                      </a:r>
+                      <a:r>
+                        <a:rPr lang="ko-KR" altLang="en-US" baseline="0" dirty="0" smtClean="0"/>
+                        <a:t> </a:t>
+                      </a:r>
+                      <a:endParaRPr lang="en-US" altLang="ko-KR" baseline="0" dirty="0" smtClean="0"/>
+                    </a:p>
+                    <a:p>
+                      <a:pPr latinLnBrk="1"/>
+                      <a:r>
+                        <a:rPr lang="en-US" altLang="ko-KR" baseline="0" dirty="0" smtClean="0"/>
+                        <a:t>: </a:t>
+                      </a:r>
+                      <a:r>
+                        <a:rPr lang="ko-KR" altLang="en-US" baseline="0" dirty="0" smtClean="0"/>
+                        <a:t>회원관리 </a:t>
+                      </a:r>
+                      <a:r>
+                        <a:rPr lang="en-US" altLang="ko-KR" baseline="0" dirty="0" smtClean="0"/>
+                        <a:t>-&gt; </a:t>
+                      </a:r>
+                      <a:r>
+                        <a:rPr lang="ko-KR" altLang="en-US" baseline="0" dirty="0" smtClean="0"/>
+                        <a:t>로그인</a:t>
+                      </a:r>
+                      <a:r>
+                        <a:rPr lang="en-US" altLang="ko-KR" baseline="0" dirty="0" smtClean="0"/>
+                        <a:t>, </a:t>
+                      </a:r>
+                      <a:r>
+                        <a:rPr lang="ko-KR" altLang="en-US" baseline="0" dirty="0" smtClean="0"/>
+                        <a:t>회원가입 완료</a:t>
+                      </a:r>
+                      <a:endParaRPr lang="en-US" altLang="ko-KR" baseline="0" dirty="0" smtClean="0"/>
+                    </a:p>
+                    <a:p>
+                      <a:pPr latinLnBrk="1"/>
+                      <a:r>
+                        <a:rPr lang="en-US" altLang="ko-KR" baseline="0" dirty="0" smtClean="0"/>
+                        <a:t>: </a:t>
+                      </a:r>
+                      <a:r>
+                        <a:rPr lang="ko-KR" altLang="en-US" baseline="0" dirty="0" smtClean="0"/>
+                        <a:t>상품 판매 </a:t>
+                      </a:r>
+                      <a:r>
+                        <a:rPr lang="en-US" altLang="ko-KR" baseline="0" dirty="0" smtClean="0"/>
+                        <a:t>-&gt; </a:t>
+                      </a:r>
+                      <a:r>
+                        <a:rPr lang="ko-KR" altLang="en-US" baseline="0" dirty="0" smtClean="0"/>
+                        <a:t>이전에 진행한 </a:t>
+                      </a:r>
+                      <a:r>
+                        <a:rPr lang="ko-KR" altLang="en-US" baseline="0" dirty="0" err="1" smtClean="0"/>
+                        <a:t>레거시</a:t>
+                      </a:r>
+                      <a:r>
+                        <a:rPr lang="en-US" altLang="ko-KR" baseline="0" dirty="0" smtClean="0"/>
+                        <a:t> </a:t>
+                      </a:r>
+                      <a:r>
+                        <a:rPr lang="ko-KR" altLang="en-US" baseline="0" dirty="0" smtClean="0"/>
+                        <a:t>프로젝트에서 </a:t>
+                      </a:r>
+                      <a:r>
+                        <a:rPr lang="ko-KR" altLang="en-US" baseline="0" dirty="0" err="1" smtClean="0"/>
+                        <a:t>구현해놓은</a:t>
+                      </a:r>
+                      <a:r>
+                        <a:rPr lang="ko-KR" altLang="en-US" baseline="0" dirty="0" smtClean="0"/>
+                        <a:t> 장바구니 및 상품 목록 기능을 가져올 것</a:t>
+                      </a:r>
+                      <a:r>
+                        <a:rPr lang="en-US" altLang="ko-KR" baseline="0" dirty="0" smtClean="0"/>
+                        <a:t>.</a:t>
+                      </a:r>
+                    </a:p>
+                    <a:p>
+                      <a:pPr latinLnBrk="1"/>
+                      <a:r>
+                        <a:rPr lang="en-US" altLang="ko-KR" baseline="0" dirty="0" smtClean="0"/>
+                        <a:t>: roles -&gt; </a:t>
+                      </a:r>
                       <a:endParaRPr lang="ko-KR" altLang="en-US" dirty="0"/>
                     </a:p>
                   </a:txBody>
@@ -3256,85 +3372,6 @@
                   </a:ext>
                 </a:extLst>
               </a:tr>
-            </a:tbl>
-          </a:graphicData>
-        </a:graphic>
-      </p:graphicFrame>
-      <p:graphicFrame>
-        <p:nvGraphicFramePr>
-          <p:cNvPr id="6" name="표 5"/>
-          <p:cNvGraphicFramePr>
-            <a:graphicFrameLocks noGrp="1"/>
-          </p:cNvGraphicFramePr>
-          <p:nvPr>
-            <p:extLst>
-              <p:ext uri="{D42A27DB-BD31-4B8C-83A1-F6EECF244321}">
-                <p14:modId xmlns:p14="http://schemas.microsoft.com/office/powerpoint/2010/main" val="4249791617"/>
-              </p:ext>
-            </p:extLst>
-          </p:nvPr>
-        </p:nvGraphicFramePr>
-        <p:xfrm>
-          <a:off x="1230335" y="3912660"/>
-          <a:ext cx="8128001" cy="1854200"/>
-        </p:xfrm>
-        <a:graphic>
-          <a:graphicData uri="http://schemas.openxmlformats.org/drawingml/2006/table">
-            <a:tbl>
-              <a:tblPr firstRow="1" bandRow="1">
-                <a:tableStyleId>{5C22544A-7EE6-4342-B048-85BDC9FD1C3A}</a:tableStyleId>
-              </a:tblPr>
-              <a:tblGrid>
-                <a:gridCol w="1161143">
-                  <a:extLst>
-                    <a:ext uri="{9D8B030D-6E8A-4147-A177-3AD203B41FA5}">
-                      <a16:colId xmlns:a16="http://schemas.microsoft.com/office/drawing/2014/main" val="4277714555"/>
-                    </a:ext>
-                  </a:extLst>
-                </a:gridCol>
-                <a:gridCol w="1161143">
-                  <a:extLst>
-                    <a:ext uri="{9D8B030D-6E8A-4147-A177-3AD203B41FA5}">
-                      <a16:colId xmlns:a16="http://schemas.microsoft.com/office/drawing/2014/main" val="3067973817"/>
-                    </a:ext>
-                  </a:extLst>
-                </a:gridCol>
-                <a:gridCol w="1161143">
-                  <a:extLst>
-                    <a:ext uri="{9D8B030D-6E8A-4147-A177-3AD203B41FA5}">
-                      <a16:colId xmlns:a16="http://schemas.microsoft.com/office/drawing/2014/main" val="1498284282"/>
-                    </a:ext>
-                  </a:extLst>
-                </a:gridCol>
-                <a:gridCol w="1161143">
-                  <a:extLst>
-                    <a:ext uri="{9D8B030D-6E8A-4147-A177-3AD203B41FA5}">
-                      <a16:colId xmlns:a16="http://schemas.microsoft.com/office/drawing/2014/main" val="3630085080"/>
-                    </a:ext>
-                  </a:extLst>
-                </a:gridCol>
-                <a:gridCol w="1161143">
-                  <a:extLst>
-                    <a:ext uri="{9D8B030D-6E8A-4147-A177-3AD203B41FA5}">
-                      <a16:colId xmlns:a16="http://schemas.microsoft.com/office/drawing/2014/main" val="376927283"/>
-                    </a:ext>
-                  </a:extLst>
-                </a:gridCol>
-                <a:gridCol w="1161143">
-                  <a:extLst>
-                    <a:ext uri="{9D8B030D-6E8A-4147-A177-3AD203B41FA5}">
-                      <a16:colId xmlns:a16="http://schemas.microsoft.com/office/drawing/2014/main" val="2126798638"/>
-                    </a:ext>
-                  </a:extLst>
-                </a:gridCol>
-                <a:gridCol w="1161143">
-                  <a:extLst>
-                    <a:ext uri="{9D8B030D-6E8A-4147-A177-3AD203B41FA5}">
-                      <a16:colId xmlns:a16="http://schemas.microsoft.com/office/drawing/2014/main" val="3953384962"/>
-                    </a:ext>
-                  </a:extLst>
-                </a:gridCol>
-              </a:tblGrid>
               <a:tr h="370840">
                 <a:tc>
                   <a:txBody>
@@ -3343,415 +3380,13 @@
                     <a:p>
                       <a:pPr latinLnBrk="1"/>
                       <a:endParaRPr lang="ko-KR" altLang="en-US" dirty="0"/>
-                    </a:p>
-                  </a:txBody>
-                  <a:tcPr/>
-                </a:tc>
-                <a:tc>
-                  <a:txBody>
-                    <a:bodyPr/>
-                    <a:lstStyle/>
-                    <a:p>
-                      <a:pPr latinLnBrk="1"/>
-                      <a:endParaRPr lang="ko-KR" altLang="en-US"/>
-                    </a:p>
-                  </a:txBody>
-                  <a:tcPr/>
-                </a:tc>
-                <a:tc>
-                  <a:txBody>
-                    <a:bodyPr/>
-                    <a:lstStyle/>
-                    <a:p>
-                      <a:pPr latinLnBrk="1"/>
-                      <a:endParaRPr lang="ko-KR" altLang="en-US"/>
-                    </a:p>
-                  </a:txBody>
-                  <a:tcPr/>
-                </a:tc>
-                <a:tc>
-                  <a:txBody>
-                    <a:bodyPr/>
-                    <a:lstStyle/>
-                    <a:p>
-                      <a:pPr latinLnBrk="1"/>
-                      <a:endParaRPr lang="ko-KR" altLang="en-US"/>
-                    </a:p>
-                  </a:txBody>
-                  <a:tcPr/>
-                </a:tc>
-                <a:tc>
-                  <a:txBody>
-                    <a:bodyPr/>
-                    <a:lstStyle/>
-                    <a:p>
-                      <a:pPr latinLnBrk="1"/>
-                      <a:endParaRPr lang="ko-KR" altLang="en-US"/>
-                    </a:p>
-                  </a:txBody>
-                  <a:tcPr/>
-                </a:tc>
-                <a:tc>
-                  <a:txBody>
-                    <a:bodyPr/>
-                    <a:lstStyle/>
-                    <a:p>
-                      <a:pPr latinLnBrk="1"/>
-                      <a:endParaRPr lang="ko-KR" altLang="en-US"/>
-                    </a:p>
-                  </a:txBody>
-                  <a:tcPr/>
-                </a:tc>
-                <a:tc>
-                  <a:txBody>
-                    <a:bodyPr/>
-                    <a:lstStyle/>
-                    <a:p>
-                      <a:pPr latinLnBrk="1"/>
-                      <a:endParaRPr lang="ko-KR" altLang="en-US"/>
                     </a:p>
                   </a:txBody>
                   <a:tcPr/>
                 </a:tc>
                 <a:extLst>
                   <a:ext uri="{0D108BD9-81ED-4DB2-BD59-A6C34878D82A}">
-                    <a16:rowId xmlns:a16="http://schemas.microsoft.com/office/drawing/2014/main" val="727358803"/>
-                  </a:ext>
-                </a:extLst>
-              </a:tr>
-              <a:tr h="370840">
-                <a:tc>
-                  <a:txBody>
-                    <a:bodyPr/>
-                    <a:lstStyle/>
-                    <a:p>
-                      <a:pPr latinLnBrk="1"/>
-                      <a:endParaRPr lang="ko-KR" altLang="en-US"/>
-                    </a:p>
-                  </a:txBody>
-                  <a:tcPr/>
-                </a:tc>
-                <a:tc>
-                  <a:txBody>
-                    <a:bodyPr/>
-                    <a:lstStyle/>
-                    <a:p>
-                      <a:pPr latinLnBrk="1"/>
-                      <a:endParaRPr lang="ko-KR" altLang="en-US"/>
-                    </a:p>
-                  </a:txBody>
-                  <a:tcPr/>
-                </a:tc>
-                <a:tc>
-                  <a:txBody>
-                    <a:bodyPr/>
-                    <a:lstStyle/>
-                    <a:p>
-                      <a:pPr latinLnBrk="1"/>
-                      <a:endParaRPr lang="ko-KR" altLang="en-US"/>
-                    </a:p>
-                  </a:txBody>
-                  <a:tcPr/>
-                </a:tc>
-                <a:tc>
-                  <a:txBody>
-                    <a:bodyPr/>
-                    <a:lstStyle/>
-                    <a:p>
-                      <a:pPr latinLnBrk="1"/>
-                      <a:endParaRPr lang="ko-KR" altLang="en-US"/>
-                    </a:p>
-                  </a:txBody>
-                  <a:tcPr/>
-                </a:tc>
-                <a:tc>
-                  <a:txBody>
-                    <a:bodyPr/>
-                    <a:lstStyle/>
-                    <a:p>
-                      <a:pPr latinLnBrk="1"/>
-                      <a:endParaRPr lang="ko-KR" altLang="en-US"/>
-                    </a:p>
-                  </a:txBody>
-                  <a:tcPr/>
-                </a:tc>
-                <a:tc>
-                  <a:txBody>
-                    <a:bodyPr/>
-                    <a:lstStyle/>
-                    <a:p>
-                      <a:pPr latinLnBrk="1"/>
-                      <a:endParaRPr lang="ko-KR" altLang="en-US"/>
-                    </a:p>
-                  </a:txBody>
-                  <a:tcPr/>
-                </a:tc>
-                <a:tc>
-                  <a:txBody>
-                    <a:bodyPr/>
-                    <a:lstStyle/>
-                    <a:p>
-                      <a:pPr latinLnBrk="1"/>
-                      <a:endParaRPr lang="ko-KR" altLang="en-US"/>
-                    </a:p>
-                  </a:txBody>
-                  <a:tcPr/>
-                </a:tc>
-                <a:extLst>
-                  <a:ext uri="{0D108BD9-81ED-4DB2-BD59-A6C34878D82A}">
-                    <a16:rowId xmlns:a16="http://schemas.microsoft.com/office/drawing/2014/main" val="1202187632"/>
-                  </a:ext>
-                </a:extLst>
-              </a:tr>
-              <a:tr h="370840">
-                <a:tc>
-                  <a:txBody>
-                    <a:bodyPr/>
-                    <a:lstStyle/>
-                    <a:p>
-                      <a:pPr latinLnBrk="1"/>
-                      <a:endParaRPr lang="ko-KR" altLang="en-US"/>
-                    </a:p>
-                  </a:txBody>
-                  <a:tcPr/>
-                </a:tc>
-                <a:tc>
-                  <a:txBody>
-                    <a:bodyPr/>
-                    <a:lstStyle/>
-                    <a:p>
-                      <a:pPr latinLnBrk="1"/>
-                      <a:endParaRPr lang="ko-KR" altLang="en-US"/>
-                    </a:p>
-                  </a:txBody>
-                  <a:tcPr/>
-                </a:tc>
-                <a:tc>
-                  <a:txBody>
-                    <a:bodyPr/>
-                    <a:lstStyle/>
-                    <a:p>
-                      <a:pPr latinLnBrk="1"/>
-                      <a:endParaRPr lang="ko-KR" altLang="en-US"/>
-                    </a:p>
-                  </a:txBody>
-                  <a:tcPr/>
-                </a:tc>
-                <a:tc>
-                  <a:txBody>
-                    <a:bodyPr/>
-                    <a:lstStyle/>
-                    <a:p>
-                      <a:pPr latinLnBrk="1"/>
-                      <a:endParaRPr lang="ko-KR" altLang="en-US"/>
-                    </a:p>
-                  </a:txBody>
-                  <a:tcPr/>
-                </a:tc>
-                <a:tc>
-                  <a:txBody>
-                    <a:bodyPr/>
-                    <a:lstStyle/>
-                    <a:p>
-                      <a:pPr latinLnBrk="1"/>
-                      <a:endParaRPr lang="ko-KR" altLang="en-US"/>
-                    </a:p>
-                  </a:txBody>
-                  <a:tcPr/>
-                </a:tc>
-                <a:tc>
-                  <a:txBody>
-                    <a:bodyPr/>
-                    <a:lstStyle/>
-                    <a:p>
-                      <a:pPr latinLnBrk="1"/>
-                      <a:endParaRPr lang="ko-KR" altLang="en-US"/>
-                    </a:p>
-                  </a:txBody>
-                  <a:tcPr/>
-                </a:tc>
-                <a:tc>
-                  <a:txBody>
-                    <a:bodyPr/>
-                    <a:lstStyle/>
-                    <a:p>
-                      <a:pPr latinLnBrk="1"/>
-                      <a:endParaRPr lang="ko-KR" altLang="en-US"/>
-                    </a:p>
-                  </a:txBody>
-                  <a:tcPr/>
-                </a:tc>
-                <a:extLst>
-                  <a:ext uri="{0D108BD9-81ED-4DB2-BD59-A6C34878D82A}">
-                    <a16:rowId xmlns:a16="http://schemas.microsoft.com/office/drawing/2014/main" val="2845045411"/>
-                  </a:ext>
-                </a:extLst>
-              </a:tr>
-              <a:tr h="370840">
-                <a:tc>
-                  <a:txBody>
-                    <a:bodyPr/>
-                    <a:lstStyle/>
-                    <a:p>
-                      <a:pPr latinLnBrk="1"/>
-                      <a:endParaRPr lang="ko-KR" altLang="en-US"/>
-                    </a:p>
-                  </a:txBody>
-                  <a:tcPr/>
-                </a:tc>
-                <a:tc>
-                  <a:txBody>
-                    <a:bodyPr/>
-                    <a:lstStyle/>
-                    <a:p>
-                      <a:pPr latinLnBrk="1"/>
-                      <a:endParaRPr lang="ko-KR" altLang="en-US"/>
-                    </a:p>
-                  </a:txBody>
-                  <a:tcPr/>
-                </a:tc>
-                <a:tc>
-                  <a:txBody>
-                    <a:bodyPr/>
-                    <a:lstStyle/>
-                    <a:p>
-                      <a:pPr latinLnBrk="1"/>
-                      <a:endParaRPr lang="ko-KR" altLang="en-US"/>
-                    </a:p>
-                  </a:txBody>
-                  <a:tcPr/>
-                </a:tc>
-                <a:tc>
-                  <a:txBody>
-                    <a:bodyPr/>
-                    <a:lstStyle/>
-                    <a:p>
-                      <a:pPr latinLnBrk="1"/>
-                      <a:endParaRPr lang="ko-KR" altLang="en-US"/>
-                    </a:p>
-                  </a:txBody>
-                  <a:tcPr/>
-                </a:tc>
-                <a:tc>
-                  <a:txBody>
-                    <a:bodyPr/>
-                    <a:lstStyle/>
-                    <a:p>
-                      <a:pPr latinLnBrk="1"/>
-                      <a:endParaRPr lang="ko-KR" altLang="en-US"/>
-                    </a:p>
-                  </a:txBody>
-                  <a:tcPr/>
-                </a:tc>
-                <a:tc>
-                  <a:txBody>
-                    <a:bodyPr/>
-                    <a:lstStyle/>
-                    <a:p>
-                      <a:pPr latinLnBrk="1"/>
-                      <a:endParaRPr lang="ko-KR" altLang="en-US"/>
-                    </a:p>
-                  </a:txBody>
-                  <a:tcPr/>
-                </a:tc>
-                <a:tc>
-                  <a:txBody>
-                    <a:bodyPr/>
-                    <a:lstStyle/>
-                    <a:p>
-                      <a:pPr latinLnBrk="1"/>
-                      <a:endParaRPr lang="ko-KR" altLang="en-US"/>
-                    </a:p>
-                  </a:txBody>
-                  <a:tcPr/>
-                </a:tc>
-                <a:extLst>
-                  <a:ext uri="{0D108BD9-81ED-4DB2-BD59-A6C34878D82A}">
-                    <a16:rowId xmlns:a16="http://schemas.microsoft.com/office/drawing/2014/main" val="1202556853"/>
-                  </a:ext>
-                </a:extLst>
-              </a:tr>
-              <a:tr h="370840">
-                <a:tc>
-                  <a:txBody>
-                    <a:bodyPr/>
-                    <a:lstStyle/>
-                    <a:p>
-                      <a:pPr latinLnBrk="1"/>
-                      <a:endParaRPr lang="ko-KR" altLang="en-US"/>
-                    </a:p>
-                  </a:txBody>
-                  <a:tcPr/>
-                </a:tc>
-                <a:tc>
-                  <a:txBody>
-                    <a:bodyPr/>
-                    <a:lstStyle/>
-                    <a:p>
-                      <a:pPr latinLnBrk="1"/>
-                      <a:endParaRPr lang="ko-KR" altLang="en-US"/>
-                    </a:p>
-                  </a:txBody>
-                  <a:tcPr/>
-                </a:tc>
-                <a:tc>
-                  <a:txBody>
-                    <a:bodyPr/>
-                    <a:lstStyle/>
-                    <a:p>
-                      <a:pPr latinLnBrk="1"/>
-                      <a:endParaRPr lang="ko-KR" altLang="en-US"/>
-                    </a:p>
-                  </a:txBody>
-                  <a:tcPr/>
-                </a:tc>
-                <a:tc>
-                  <a:txBody>
-                    <a:bodyPr/>
-                    <a:lstStyle/>
-                    <a:p>
-                      <a:pPr latinLnBrk="1"/>
-                      <a:endParaRPr lang="ko-KR" altLang="en-US"/>
-                    </a:p>
-                  </a:txBody>
-                  <a:tcPr/>
-                </a:tc>
-                <a:tc>
-                  <a:txBody>
-                    <a:bodyPr/>
-                    <a:lstStyle/>
-                    <a:p>
-                      <a:pPr latinLnBrk="1"/>
-                      <a:endParaRPr lang="ko-KR" altLang="en-US"/>
-                    </a:p>
-                  </a:txBody>
-                  <a:tcPr/>
-                </a:tc>
-                <a:tc>
-                  <a:txBody>
-                    <a:bodyPr/>
-                    <a:lstStyle/>
-                    <a:p>
-                      <a:pPr latinLnBrk="1"/>
-                      <a:endParaRPr lang="ko-KR" altLang="en-US"/>
-                    </a:p>
-                  </a:txBody>
-                  <a:tcPr/>
-                </a:tc>
-                <a:tc>
-                  <a:txBody>
-                    <a:bodyPr/>
-                    <a:lstStyle/>
-                    <a:p>
-                      <a:pPr latinLnBrk="1"/>
-                      <a:endParaRPr lang="ko-KR" altLang="en-US" dirty="0"/>
-                    </a:p>
-                  </a:txBody>
-                  <a:tcPr/>
-                </a:tc>
-                <a:extLst>
-                  <a:ext uri="{0D108BD9-81ED-4DB2-BD59-A6C34878D82A}">
-                    <a16:rowId xmlns:a16="http://schemas.microsoft.com/office/drawing/2014/main" val="933182025"/>
+                    <a16:rowId xmlns:a16="http://schemas.microsoft.com/office/drawing/2014/main" val="2788041778"/>
                   </a:ext>
                 </a:extLst>
               </a:tr>
@@ -3897,13 +3532,13 @@
           <p:nvPr>
             <p:extLst>
               <p:ext uri="{D42A27DB-BD31-4B8C-83A1-F6EECF244321}">
-                <p14:modId xmlns:p14="http://schemas.microsoft.com/office/powerpoint/2010/main" val="2649730461"/>
+                <p14:modId xmlns:p14="http://schemas.microsoft.com/office/powerpoint/2010/main" val="2569461309"/>
               </p:ext>
             </p:extLst>
           </p:nvPr>
         </p:nvGraphicFramePr>
         <p:xfrm>
-          <a:off x="1230335" y="3912660"/>
+          <a:off x="1072393" y="1150779"/>
           <a:ext cx="8128001" cy="6558280"/>
         </p:xfrm>
         <a:graphic>
@@ -4179,13 +3814,9 @@
                         <a:defRPr/>
                       </a:pPr>
                       <a:r>
-                        <a:rPr lang="en-US" altLang="ko-KR" dirty="0" err="1" smtClean="0"/>
-                        <a:t>user_id</a:t>
-                      </a:r>
-                      <a:endParaRPr lang="ko-KR" altLang="en-US" dirty="0" smtClean="0"/>
-                    </a:p>
-                    <a:p>
-                      <a:pPr latinLnBrk="1"/>
+                        <a:rPr lang="en-US" altLang="ko-KR" dirty="0" smtClean="0"/>
+                        <a:t>username</a:t>
+                      </a:r>
                       <a:endParaRPr lang="ko-KR" altLang="en-US" dirty="0"/>
                     </a:p>
                   </a:txBody>
@@ -4283,8 +3914,8 @@
                     <a:p>
                       <a:pPr latinLnBrk="1"/>
                       <a:r>
-                        <a:rPr lang="en-US" altLang="ko-KR" dirty="0" err="1" smtClean="0"/>
-                        <a:t>user_pw</a:t>
+                        <a:rPr lang="en-US" altLang="ko-KR" dirty="0" smtClean="0"/>
+                        <a:t>password</a:t>
                       </a:r>
                       <a:endParaRPr lang="ko-KR" altLang="en-US" dirty="0"/>
                     </a:p>
@@ -5052,6 +4683,1452 @@
     <p:extLst>
       <p:ext uri="{BB962C8B-B14F-4D97-AF65-F5344CB8AC3E}">
         <p14:creationId xmlns:p14="http://schemas.microsoft.com/office/powerpoint/2010/main" val="1925472693"/>
+      </p:ext>
+    </p:extLst>
+  </p:cSld>
+  <p:clrMapOvr>
+    <a:masterClrMapping/>
+  </p:clrMapOvr>
+</p:sld>
+</file>
+
+<file path=ppt/slides/slide3.xml><?xml version="1.0" encoding="utf-8"?>
+<p:sld xmlns:a="http://schemas.openxmlformats.org/drawingml/2006/main" xmlns:r="http://schemas.openxmlformats.org/officeDocument/2006/relationships" xmlns:p="http://schemas.openxmlformats.org/presentationml/2006/main">
+  <p:cSld>
+    <p:spTree>
+      <p:nvGrpSpPr>
+        <p:cNvPr id="1" name=""/>
+        <p:cNvGrpSpPr/>
+        <p:nvPr/>
+      </p:nvGrpSpPr>
+      <p:grpSpPr>
+        <a:xfrm>
+          <a:off x="0" y="0"/>
+          <a:ext cx="0" cy="0"/>
+          <a:chOff x="0" y="0"/>
+          <a:chExt cx="0" cy="0"/>
+        </a:xfrm>
+      </p:grpSpPr>
+      <p:sp>
+        <p:nvSpPr>
+          <p:cNvPr id="2" name="제목 1"/>
+          <p:cNvSpPr>
+            <a:spLocks noGrp="1"/>
+          </p:cNvSpPr>
+          <p:nvPr>
+            <p:ph type="ctrTitle"/>
+          </p:nvPr>
+        </p:nvSpPr>
+        <p:spPr/>
+        <p:txBody>
+          <a:bodyPr/>
+          <a:lstStyle/>
+          <a:p>
+            <a:endParaRPr lang="ko-KR" altLang="en-US" dirty="0"/>
+          </a:p>
+        </p:txBody>
+      </p:sp>
+      <p:graphicFrame>
+        <p:nvGraphicFramePr>
+          <p:cNvPr id="4" name="표 3"/>
+          <p:cNvGraphicFramePr>
+            <a:graphicFrameLocks noGrp="1"/>
+          </p:cNvGraphicFramePr>
+          <p:nvPr>
+            <p:extLst/>
+          </p:nvPr>
+        </p:nvGraphicFramePr>
+        <p:xfrm>
+          <a:off x="591506" y="432403"/>
+          <a:ext cx="8128000" cy="370840"/>
+        </p:xfrm>
+        <a:graphic>
+          <a:graphicData uri="http://schemas.openxmlformats.org/drawingml/2006/table">
+            <a:tbl>
+              <a:tblPr firstRow="1" bandRow="1">
+                <a:tableStyleId>{5C22544A-7EE6-4342-B048-85BDC9FD1C3A}</a:tableStyleId>
+              </a:tblPr>
+              <a:tblGrid>
+                <a:gridCol w="8128000">
+                  <a:extLst>
+                    <a:ext uri="{9D8B030D-6E8A-4147-A177-3AD203B41FA5}">
+                      <a16:colId xmlns:a16="http://schemas.microsoft.com/office/drawing/2014/main" val="1759803634"/>
+                    </a:ext>
+                  </a:extLst>
+                </a:gridCol>
+              </a:tblGrid>
+              <a:tr h="370840">
+                <a:tc>
+                  <a:txBody>
+                    <a:bodyPr/>
+                    <a:lstStyle/>
+                    <a:p>
+                      <a:pPr marL="0" indent="0" latinLnBrk="1">
+                        <a:buNone/>
+                      </a:pPr>
+                      <a:r>
+                        <a:rPr lang="ko-KR" altLang="en-US" dirty="0" smtClean="0"/>
+                        <a:t>데이터베이스 명세서</a:t>
+                      </a:r>
+                      <a:endParaRPr lang="ko-KR" altLang="en-US" dirty="0"/>
+                    </a:p>
+                  </a:txBody>
+                  <a:tcPr/>
+                </a:tc>
+                <a:extLst>
+                  <a:ext uri="{0D108BD9-81ED-4DB2-BD59-A6C34878D82A}">
+                    <a16:rowId xmlns:a16="http://schemas.microsoft.com/office/drawing/2014/main" val="1128684541"/>
+                  </a:ext>
+                </a:extLst>
+              </a:tr>
+            </a:tbl>
+          </a:graphicData>
+        </a:graphic>
+      </p:graphicFrame>
+      <p:graphicFrame>
+        <p:nvGraphicFramePr>
+          <p:cNvPr id="6" name="표 5"/>
+          <p:cNvGraphicFramePr>
+            <a:graphicFrameLocks noGrp="1"/>
+          </p:cNvGraphicFramePr>
+          <p:nvPr>
+            <p:extLst>
+              <p:ext uri="{D42A27DB-BD31-4B8C-83A1-F6EECF244321}">
+                <p14:modId xmlns:p14="http://schemas.microsoft.com/office/powerpoint/2010/main" val="2402829282"/>
+              </p:ext>
+            </p:extLst>
+          </p:nvPr>
+        </p:nvGraphicFramePr>
+        <p:xfrm>
+          <a:off x="1072393" y="1150779"/>
+          <a:ext cx="8128001" cy="2169160"/>
+        </p:xfrm>
+        <a:graphic>
+          <a:graphicData uri="http://schemas.openxmlformats.org/drawingml/2006/table">
+            <a:tbl>
+              <a:tblPr firstRow="1" bandRow="1">
+                <a:tableStyleId>{5C22544A-7EE6-4342-B048-85BDC9FD1C3A}</a:tableStyleId>
+              </a:tblPr>
+              <a:tblGrid>
+                <a:gridCol w="1161143">
+                  <a:extLst>
+                    <a:ext uri="{9D8B030D-6E8A-4147-A177-3AD203B41FA5}">
+                      <a16:colId xmlns:a16="http://schemas.microsoft.com/office/drawing/2014/main" val="4277714555"/>
+                    </a:ext>
+                  </a:extLst>
+                </a:gridCol>
+                <a:gridCol w="1161143">
+                  <a:extLst>
+                    <a:ext uri="{9D8B030D-6E8A-4147-A177-3AD203B41FA5}">
+                      <a16:colId xmlns:a16="http://schemas.microsoft.com/office/drawing/2014/main" val="3067973817"/>
+                    </a:ext>
+                  </a:extLst>
+                </a:gridCol>
+                <a:gridCol w="1161143">
+                  <a:extLst>
+                    <a:ext uri="{9D8B030D-6E8A-4147-A177-3AD203B41FA5}">
+                      <a16:colId xmlns:a16="http://schemas.microsoft.com/office/drawing/2014/main" val="1498284282"/>
+                    </a:ext>
+                  </a:extLst>
+                </a:gridCol>
+                <a:gridCol w="1161143">
+                  <a:extLst>
+                    <a:ext uri="{9D8B030D-6E8A-4147-A177-3AD203B41FA5}">
+                      <a16:colId xmlns:a16="http://schemas.microsoft.com/office/drawing/2014/main" val="3630085080"/>
+                    </a:ext>
+                  </a:extLst>
+                </a:gridCol>
+                <a:gridCol w="1161143">
+                  <a:extLst>
+                    <a:ext uri="{9D8B030D-6E8A-4147-A177-3AD203B41FA5}">
+                      <a16:colId xmlns:a16="http://schemas.microsoft.com/office/drawing/2014/main" val="376927283"/>
+                    </a:ext>
+                  </a:extLst>
+                </a:gridCol>
+                <a:gridCol w="1161143">
+                  <a:extLst>
+                    <a:ext uri="{9D8B030D-6E8A-4147-A177-3AD203B41FA5}">
+                      <a16:colId xmlns:a16="http://schemas.microsoft.com/office/drawing/2014/main" val="2126798638"/>
+                    </a:ext>
+                  </a:extLst>
+                </a:gridCol>
+                <a:gridCol w="1161143">
+                  <a:extLst>
+                    <a:ext uri="{9D8B030D-6E8A-4147-A177-3AD203B41FA5}">
+                      <a16:colId xmlns:a16="http://schemas.microsoft.com/office/drawing/2014/main" val="3953384962"/>
+                    </a:ext>
+                  </a:extLst>
+                </a:gridCol>
+              </a:tblGrid>
+              <a:tr h="370840">
+                <a:tc gridSpan="7">
+                  <a:txBody>
+                    <a:bodyPr/>
+                    <a:lstStyle/>
+                    <a:p>
+                      <a:pPr algn="ctr" latinLnBrk="1"/>
+                      <a:r>
+                        <a:rPr lang="en-US" altLang="ko-KR" sz="2800" dirty="0" err="1" smtClean="0"/>
+                        <a:t>rolemst</a:t>
+                      </a:r>
+                      <a:endParaRPr lang="ko-KR" altLang="en-US" sz="2800" dirty="0"/>
+                    </a:p>
+                  </a:txBody>
+                  <a:tcPr/>
+                </a:tc>
+                <a:tc hMerge="1">
+                  <a:txBody>
+                    <a:bodyPr/>
+                    <a:lstStyle/>
+                    <a:p>
+                      <a:pPr latinLnBrk="1"/>
+                      <a:endParaRPr lang="ko-KR" altLang="en-US" dirty="0"/>
+                    </a:p>
+                  </a:txBody>
+                  <a:tcPr/>
+                </a:tc>
+                <a:tc hMerge="1">
+                  <a:txBody>
+                    <a:bodyPr/>
+                    <a:lstStyle/>
+                    <a:p>
+                      <a:pPr latinLnBrk="1"/>
+                      <a:endParaRPr lang="ko-KR" altLang="en-US" dirty="0"/>
+                    </a:p>
+                  </a:txBody>
+                  <a:tcPr/>
+                </a:tc>
+                <a:tc hMerge="1">
+                  <a:txBody>
+                    <a:bodyPr/>
+                    <a:lstStyle/>
+                    <a:p>
+                      <a:pPr latinLnBrk="1"/>
+                      <a:endParaRPr lang="ko-KR" altLang="en-US" dirty="0"/>
+                    </a:p>
+                  </a:txBody>
+                  <a:tcPr/>
+                </a:tc>
+                <a:tc hMerge="1">
+                  <a:txBody>
+                    <a:bodyPr/>
+                    <a:lstStyle/>
+                    <a:p>
+                      <a:pPr latinLnBrk="1"/>
+                      <a:endParaRPr lang="ko-KR" altLang="en-US" dirty="0"/>
+                    </a:p>
+                  </a:txBody>
+                  <a:tcPr/>
+                </a:tc>
+                <a:tc hMerge="1">
+                  <a:txBody>
+                    <a:bodyPr/>
+                    <a:lstStyle/>
+                    <a:p>
+                      <a:pPr latinLnBrk="1"/>
+                      <a:endParaRPr lang="ko-KR" altLang="en-US" dirty="0"/>
+                    </a:p>
+                  </a:txBody>
+                  <a:tcPr/>
+                </a:tc>
+                <a:tc hMerge="1">
+                  <a:txBody>
+                    <a:bodyPr/>
+                    <a:lstStyle/>
+                    <a:p>
+                      <a:pPr latinLnBrk="1"/>
+                      <a:endParaRPr lang="ko-KR" altLang="en-US" dirty="0"/>
+                    </a:p>
+                  </a:txBody>
+                  <a:tcPr/>
+                </a:tc>
+                <a:extLst>
+                  <a:ext uri="{0D108BD9-81ED-4DB2-BD59-A6C34878D82A}">
+                    <a16:rowId xmlns:a16="http://schemas.microsoft.com/office/drawing/2014/main" val="727358803"/>
+                  </a:ext>
+                </a:extLst>
+              </a:tr>
+              <a:tr h="370840">
+                <a:tc>
+                  <a:txBody>
+                    <a:bodyPr/>
+                    <a:lstStyle/>
+                    <a:p>
+                      <a:pPr latinLnBrk="1"/>
+                      <a:r>
+                        <a:rPr lang="en-US" altLang="ko-KR" dirty="0" smtClean="0"/>
+                        <a:t>Column name</a:t>
+                      </a:r>
+                      <a:endParaRPr lang="ko-KR" altLang="en-US" dirty="0"/>
+                    </a:p>
+                  </a:txBody>
+                  <a:tcPr/>
+                </a:tc>
+                <a:tc>
+                  <a:txBody>
+                    <a:bodyPr/>
+                    <a:lstStyle/>
+                    <a:p>
+                      <a:pPr latinLnBrk="1"/>
+                      <a:r>
+                        <a:rPr lang="en-US" altLang="ko-KR" dirty="0" smtClean="0"/>
+                        <a:t>Type</a:t>
+                      </a:r>
+                      <a:endParaRPr lang="ko-KR" altLang="en-US" dirty="0"/>
+                    </a:p>
+                  </a:txBody>
+                  <a:tcPr/>
+                </a:tc>
+                <a:tc>
+                  <a:txBody>
+                    <a:bodyPr/>
+                    <a:lstStyle/>
+                    <a:p>
+                      <a:pPr latinLnBrk="1"/>
+                      <a:r>
+                        <a:rPr lang="en-US" altLang="ko-KR" dirty="0" smtClean="0"/>
+                        <a:t>PK</a:t>
+                      </a:r>
+                      <a:endParaRPr lang="ko-KR" altLang="en-US" dirty="0"/>
+                    </a:p>
+                  </a:txBody>
+                  <a:tcPr/>
+                </a:tc>
+                <a:tc>
+                  <a:txBody>
+                    <a:bodyPr/>
+                    <a:lstStyle/>
+                    <a:p>
+                      <a:pPr latinLnBrk="1"/>
+                      <a:r>
+                        <a:rPr lang="en-US" altLang="ko-KR" dirty="0" smtClean="0"/>
+                        <a:t>NN</a:t>
+                      </a:r>
+                      <a:endParaRPr lang="ko-KR" altLang="en-US" dirty="0"/>
+                    </a:p>
+                  </a:txBody>
+                  <a:tcPr/>
+                </a:tc>
+                <a:tc>
+                  <a:txBody>
+                    <a:bodyPr/>
+                    <a:lstStyle/>
+                    <a:p>
+                      <a:pPr latinLnBrk="1"/>
+                      <a:endParaRPr lang="ko-KR" altLang="en-US" dirty="0"/>
+                    </a:p>
+                  </a:txBody>
+                  <a:tcPr/>
+                </a:tc>
+                <a:tc>
+                  <a:txBody>
+                    <a:bodyPr/>
+                    <a:lstStyle/>
+                    <a:p>
+                      <a:pPr latinLnBrk="1"/>
+                      <a:endParaRPr lang="ko-KR" altLang="en-US" dirty="0"/>
+                    </a:p>
+                  </a:txBody>
+                  <a:tcPr/>
+                </a:tc>
+                <a:tc>
+                  <a:txBody>
+                    <a:bodyPr/>
+                    <a:lstStyle/>
+                    <a:p>
+                      <a:pPr latinLnBrk="1"/>
+                      <a:r>
+                        <a:rPr lang="en-US" altLang="ko-KR" dirty="0" smtClean="0"/>
+                        <a:t>DEFAULT </a:t>
+                      </a:r>
+                      <a:endParaRPr lang="ko-KR" altLang="en-US" dirty="0"/>
+                    </a:p>
+                  </a:txBody>
+                  <a:tcPr/>
+                </a:tc>
+                <a:extLst>
+                  <a:ext uri="{0D108BD9-81ED-4DB2-BD59-A6C34878D82A}">
+                    <a16:rowId xmlns:a16="http://schemas.microsoft.com/office/drawing/2014/main" val="1202187632"/>
+                  </a:ext>
+                </a:extLst>
+              </a:tr>
+              <a:tr h="370840">
+                <a:tc>
+                  <a:txBody>
+                    <a:bodyPr/>
+                    <a:lstStyle/>
+                    <a:p>
+                      <a:pPr marL="0" marR="0" indent="0" algn="l" defTabSz="914400" rtl="0" eaLnBrk="1" fontAlgn="auto" latinLnBrk="1" hangingPunct="1">
+                        <a:lnSpc>
+                          <a:spcPct val="100000"/>
+                        </a:lnSpc>
+                        <a:spcBef>
+                          <a:spcPts val="0"/>
+                        </a:spcBef>
+                        <a:spcAft>
+                          <a:spcPts val="0"/>
+                        </a:spcAft>
+                        <a:buClrTx/>
+                        <a:buSzTx/>
+                        <a:buFontTx/>
+                        <a:buNone/>
+                        <a:tabLst/>
+                        <a:defRPr/>
+                      </a:pPr>
+                      <a:r>
+                        <a:rPr lang="en-US" altLang="ko-KR" dirty="0" smtClean="0"/>
+                        <a:t>Id</a:t>
+                      </a:r>
+                      <a:endParaRPr lang="ko-KR" altLang="en-US" dirty="0" smtClean="0"/>
+                    </a:p>
+                  </a:txBody>
+                  <a:tcPr/>
+                </a:tc>
+                <a:tc>
+                  <a:txBody>
+                    <a:bodyPr/>
+                    <a:lstStyle/>
+                    <a:p>
+                      <a:pPr latinLnBrk="1"/>
+                      <a:r>
+                        <a:rPr lang="en-US" altLang="ko-KR" dirty="0" err="1" smtClean="0"/>
+                        <a:t>Int</a:t>
+                      </a:r>
+                      <a:endParaRPr lang="ko-KR" altLang="en-US" dirty="0"/>
+                    </a:p>
+                  </a:txBody>
+                  <a:tcPr/>
+                </a:tc>
+                <a:tc>
+                  <a:txBody>
+                    <a:bodyPr/>
+                    <a:lstStyle/>
+                    <a:p>
+                      <a:pPr latinLnBrk="1"/>
+                      <a:r>
+                        <a:rPr lang="en-US" altLang="ko-KR" dirty="0" smtClean="0"/>
+                        <a:t>O</a:t>
+                      </a:r>
+                      <a:endParaRPr lang="ko-KR" altLang="en-US" dirty="0"/>
+                    </a:p>
+                  </a:txBody>
+                  <a:tcPr/>
+                </a:tc>
+                <a:tc>
+                  <a:txBody>
+                    <a:bodyPr/>
+                    <a:lstStyle/>
+                    <a:p>
+                      <a:pPr latinLnBrk="1"/>
+                      <a:r>
+                        <a:rPr lang="en-US" altLang="ko-KR" dirty="0" smtClean="0"/>
+                        <a:t>O</a:t>
+                      </a:r>
+                      <a:endParaRPr lang="ko-KR" altLang="en-US" dirty="0"/>
+                    </a:p>
+                  </a:txBody>
+                  <a:tcPr/>
+                </a:tc>
+                <a:tc>
+                  <a:txBody>
+                    <a:bodyPr/>
+                    <a:lstStyle/>
+                    <a:p>
+                      <a:pPr latinLnBrk="1"/>
+                      <a:endParaRPr lang="ko-KR" altLang="en-US" dirty="0"/>
+                    </a:p>
+                  </a:txBody>
+                  <a:tcPr/>
+                </a:tc>
+                <a:tc>
+                  <a:txBody>
+                    <a:bodyPr/>
+                    <a:lstStyle/>
+                    <a:p>
+                      <a:pPr latinLnBrk="1"/>
+                      <a:endParaRPr lang="ko-KR" altLang="en-US" dirty="0"/>
+                    </a:p>
+                  </a:txBody>
+                  <a:tcPr/>
+                </a:tc>
+                <a:tc>
+                  <a:txBody>
+                    <a:bodyPr/>
+                    <a:lstStyle/>
+                    <a:p>
+                      <a:pPr latinLnBrk="1"/>
+                      <a:endParaRPr lang="ko-KR" altLang="en-US" dirty="0"/>
+                    </a:p>
+                  </a:txBody>
+                  <a:tcPr/>
+                </a:tc>
+                <a:extLst>
+                  <a:ext uri="{0D108BD9-81ED-4DB2-BD59-A6C34878D82A}">
+                    <a16:rowId xmlns:a16="http://schemas.microsoft.com/office/drawing/2014/main" val="2845045411"/>
+                  </a:ext>
+                </a:extLst>
+              </a:tr>
+              <a:tr h="370840">
+                <a:tc>
+                  <a:txBody>
+                    <a:bodyPr/>
+                    <a:lstStyle/>
+                    <a:p>
+                      <a:pPr latinLnBrk="1"/>
+                      <a:r>
+                        <a:rPr lang="en-US" altLang="ko-KR" dirty="0" smtClean="0"/>
+                        <a:t>name</a:t>
+                      </a:r>
+                      <a:endParaRPr lang="ko-KR" altLang="en-US" dirty="0"/>
+                    </a:p>
+                  </a:txBody>
+                  <a:tcPr/>
+                </a:tc>
+                <a:tc>
+                  <a:txBody>
+                    <a:bodyPr/>
+                    <a:lstStyle/>
+                    <a:p>
+                      <a:pPr latinLnBrk="1"/>
+                      <a:r>
+                        <a:rPr lang="en-US" altLang="ko-KR" dirty="0" smtClean="0"/>
+                        <a:t>VARCHAR(45)</a:t>
+                      </a:r>
+                      <a:endParaRPr lang="ko-KR" altLang="en-US" dirty="0"/>
+                    </a:p>
+                  </a:txBody>
+                  <a:tcPr/>
+                </a:tc>
+                <a:tc>
+                  <a:txBody>
+                    <a:bodyPr/>
+                    <a:lstStyle/>
+                    <a:p>
+                      <a:pPr latinLnBrk="1"/>
+                      <a:endParaRPr lang="ko-KR" altLang="en-US" dirty="0"/>
+                    </a:p>
+                  </a:txBody>
+                  <a:tcPr/>
+                </a:tc>
+                <a:tc>
+                  <a:txBody>
+                    <a:bodyPr/>
+                    <a:lstStyle/>
+                    <a:p>
+                      <a:pPr latinLnBrk="1"/>
+                      <a:endParaRPr lang="ko-KR" altLang="en-US" dirty="0"/>
+                    </a:p>
+                  </a:txBody>
+                  <a:tcPr/>
+                </a:tc>
+                <a:tc>
+                  <a:txBody>
+                    <a:bodyPr/>
+                    <a:lstStyle/>
+                    <a:p>
+                      <a:pPr latinLnBrk="1"/>
+                      <a:endParaRPr lang="ko-KR" altLang="en-US" dirty="0"/>
+                    </a:p>
+                  </a:txBody>
+                  <a:tcPr/>
+                </a:tc>
+                <a:tc>
+                  <a:txBody>
+                    <a:bodyPr/>
+                    <a:lstStyle/>
+                    <a:p>
+                      <a:pPr latinLnBrk="1"/>
+                      <a:endParaRPr lang="ko-KR" altLang="en-US" dirty="0"/>
+                    </a:p>
+                  </a:txBody>
+                  <a:tcPr/>
+                </a:tc>
+                <a:tc>
+                  <a:txBody>
+                    <a:bodyPr/>
+                    <a:lstStyle/>
+                    <a:p>
+                      <a:pPr latinLnBrk="1"/>
+                      <a:endParaRPr lang="ko-KR" altLang="en-US" dirty="0"/>
+                    </a:p>
+                  </a:txBody>
+                  <a:tcPr/>
+                </a:tc>
+                <a:extLst>
+                  <a:ext uri="{0D108BD9-81ED-4DB2-BD59-A6C34878D82A}">
+                    <a16:rowId xmlns:a16="http://schemas.microsoft.com/office/drawing/2014/main" val="3623716174"/>
+                  </a:ext>
+                </a:extLst>
+              </a:tr>
+            </a:tbl>
+          </a:graphicData>
+        </a:graphic>
+      </p:graphicFrame>
+      <p:graphicFrame>
+        <p:nvGraphicFramePr>
+          <p:cNvPr id="7" name="표 6"/>
+          <p:cNvGraphicFramePr>
+            <a:graphicFrameLocks noGrp="1"/>
+          </p:cNvGraphicFramePr>
+          <p:nvPr>
+            <p:extLst>
+              <p:ext uri="{D42A27DB-BD31-4B8C-83A1-F6EECF244321}">
+                <p14:modId xmlns:p14="http://schemas.microsoft.com/office/powerpoint/2010/main" val="1548513584"/>
+              </p:ext>
+            </p:extLst>
+          </p:nvPr>
+        </p:nvGraphicFramePr>
+        <p:xfrm>
+          <a:off x="1185128" y="4467911"/>
+          <a:ext cx="8128000" cy="1747837"/>
+        </p:xfrm>
+        <a:graphic>
+          <a:graphicData uri="http://schemas.openxmlformats.org/drawingml/2006/table">
+            <a:tbl>
+              <a:tblPr firstRow="1" bandRow="1">
+                <a:tableStyleId>{5C22544A-7EE6-4342-B048-85BDC9FD1C3A}</a:tableStyleId>
+              </a:tblPr>
+              <a:tblGrid>
+                <a:gridCol w="8128000">
+                  <a:extLst>
+                    <a:ext uri="{9D8B030D-6E8A-4147-A177-3AD203B41FA5}">
+                      <a16:colId xmlns:a16="http://schemas.microsoft.com/office/drawing/2014/main" val="1759803634"/>
+                    </a:ext>
+                  </a:extLst>
+                </a:gridCol>
+              </a:tblGrid>
+              <a:tr h="1747837">
+                <a:tc>
+                  <a:txBody>
+                    <a:bodyPr/>
+                    <a:lstStyle/>
+                    <a:p>
+                      <a:pPr marL="0" indent="0" latinLnBrk="1">
+                        <a:buNone/>
+                      </a:pPr>
+                      <a:r>
+                        <a:rPr lang="en-US" altLang="ko-KR" dirty="0" err="1" smtClean="0"/>
+                        <a:t>usermst</a:t>
+                      </a:r>
+                      <a:r>
+                        <a:rPr lang="en-US" altLang="ko-KR" baseline="0" dirty="0" smtClean="0"/>
+                        <a:t> -&gt; </a:t>
+                      </a:r>
+                      <a:r>
+                        <a:rPr lang="en-US" altLang="ko-KR" dirty="0" smtClean="0"/>
+                        <a:t>role</a:t>
+                      </a:r>
+                      <a:endParaRPr lang="ko-KR" altLang="en-US" dirty="0"/>
+                    </a:p>
+                  </a:txBody>
+                  <a:tcPr/>
+                </a:tc>
+                <a:extLst>
+                  <a:ext uri="{0D108BD9-81ED-4DB2-BD59-A6C34878D82A}">
+                    <a16:rowId xmlns:a16="http://schemas.microsoft.com/office/drawing/2014/main" val="1128684541"/>
+                  </a:ext>
+                </a:extLst>
+              </a:tr>
+            </a:tbl>
+          </a:graphicData>
+        </a:graphic>
+      </p:graphicFrame>
+      <p:graphicFrame>
+        <p:nvGraphicFramePr>
+          <p:cNvPr id="8" name="표 7"/>
+          <p:cNvGraphicFramePr>
+            <a:graphicFrameLocks noGrp="1"/>
+          </p:cNvGraphicFramePr>
+          <p:nvPr>
+            <p:extLst>
+              <p:ext uri="{D42A27DB-BD31-4B8C-83A1-F6EECF244321}">
+                <p14:modId xmlns:p14="http://schemas.microsoft.com/office/powerpoint/2010/main" val="3476024063"/>
+              </p:ext>
+            </p:extLst>
+          </p:nvPr>
+        </p:nvGraphicFramePr>
+        <p:xfrm>
+          <a:off x="1072393" y="3509963"/>
+          <a:ext cx="8128001" cy="2169160"/>
+        </p:xfrm>
+        <a:graphic>
+          <a:graphicData uri="http://schemas.openxmlformats.org/drawingml/2006/table">
+            <a:tbl>
+              <a:tblPr firstRow="1" bandRow="1">
+                <a:tableStyleId>{5C22544A-7EE6-4342-B048-85BDC9FD1C3A}</a:tableStyleId>
+              </a:tblPr>
+              <a:tblGrid>
+                <a:gridCol w="1161143">
+                  <a:extLst>
+                    <a:ext uri="{9D8B030D-6E8A-4147-A177-3AD203B41FA5}">
+                      <a16:colId xmlns:a16="http://schemas.microsoft.com/office/drawing/2014/main" val="4277714555"/>
+                    </a:ext>
+                  </a:extLst>
+                </a:gridCol>
+                <a:gridCol w="1161143">
+                  <a:extLst>
+                    <a:ext uri="{9D8B030D-6E8A-4147-A177-3AD203B41FA5}">
+                      <a16:colId xmlns:a16="http://schemas.microsoft.com/office/drawing/2014/main" val="3067973817"/>
+                    </a:ext>
+                  </a:extLst>
+                </a:gridCol>
+                <a:gridCol w="1161143">
+                  <a:extLst>
+                    <a:ext uri="{9D8B030D-6E8A-4147-A177-3AD203B41FA5}">
+                      <a16:colId xmlns:a16="http://schemas.microsoft.com/office/drawing/2014/main" val="1498284282"/>
+                    </a:ext>
+                  </a:extLst>
+                </a:gridCol>
+                <a:gridCol w="1161143">
+                  <a:extLst>
+                    <a:ext uri="{9D8B030D-6E8A-4147-A177-3AD203B41FA5}">
+                      <a16:colId xmlns:a16="http://schemas.microsoft.com/office/drawing/2014/main" val="3630085080"/>
+                    </a:ext>
+                  </a:extLst>
+                </a:gridCol>
+                <a:gridCol w="1161143">
+                  <a:extLst>
+                    <a:ext uri="{9D8B030D-6E8A-4147-A177-3AD203B41FA5}">
+                      <a16:colId xmlns:a16="http://schemas.microsoft.com/office/drawing/2014/main" val="376927283"/>
+                    </a:ext>
+                  </a:extLst>
+                </a:gridCol>
+                <a:gridCol w="1161143">
+                  <a:extLst>
+                    <a:ext uri="{9D8B030D-6E8A-4147-A177-3AD203B41FA5}">
+                      <a16:colId xmlns:a16="http://schemas.microsoft.com/office/drawing/2014/main" val="2126798638"/>
+                    </a:ext>
+                  </a:extLst>
+                </a:gridCol>
+                <a:gridCol w="1161143">
+                  <a:extLst>
+                    <a:ext uri="{9D8B030D-6E8A-4147-A177-3AD203B41FA5}">
+                      <a16:colId xmlns:a16="http://schemas.microsoft.com/office/drawing/2014/main" val="3953384962"/>
+                    </a:ext>
+                  </a:extLst>
+                </a:gridCol>
+              </a:tblGrid>
+              <a:tr h="370840">
+                <a:tc gridSpan="7">
+                  <a:txBody>
+                    <a:bodyPr/>
+                    <a:lstStyle/>
+                    <a:p>
+                      <a:pPr algn="ctr" latinLnBrk="1"/>
+                      <a:r>
+                        <a:rPr lang="en-US" altLang="ko-KR" sz="2800" dirty="0" err="1" smtClean="0"/>
+                        <a:t>rolemst</a:t>
+                      </a:r>
+                      <a:endParaRPr lang="ko-KR" altLang="en-US" sz="2800" dirty="0"/>
+                    </a:p>
+                  </a:txBody>
+                  <a:tcPr/>
+                </a:tc>
+                <a:tc hMerge="1">
+                  <a:txBody>
+                    <a:bodyPr/>
+                    <a:lstStyle/>
+                    <a:p>
+                      <a:pPr latinLnBrk="1"/>
+                      <a:endParaRPr lang="ko-KR" altLang="en-US" dirty="0"/>
+                    </a:p>
+                  </a:txBody>
+                  <a:tcPr/>
+                </a:tc>
+                <a:tc hMerge="1">
+                  <a:txBody>
+                    <a:bodyPr/>
+                    <a:lstStyle/>
+                    <a:p>
+                      <a:pPr latinLnBrk="1"/>
+                      <a:endParaRPr lang="ko-KR" altLang="en-US" dirty="0"/>
+                    </a:p>
+                  </a:txBody>
+                  <a:tcPr/>
+                </a:tc>
+                <a:tc hMerge="1">
+                  <a:txBody>
+                    <a:bodyPr/>
+                    <a:lstStyle/>
+                    <a:p>
+                      <a:pPr latinLnBrk="1"/>
+                      <a:endParaRPr lang="ko-KR" altLang="en-US" dirty="0"/>
+                    </a:p>
+                  </a:txBody>
+                  <a:tcPr/>
+                </a:tc>
+                <a:tc hMerge="1">
+                  <a:txBody>
+                    <a:bodyPr/>
+                    <a:lstStyle/>
+                    <a:p>
+                      <a:pPr latinLnBrk="1"/>
+                      <a:endParaRPr lang="ko-KR" altLang="en-US" dirty="0"/>
+                    </a:p>
+                  </a:txBody>
+                  <a:tcPr/>
+                </a:tc>
+                <a:tc hMerge="1">
+                  <a:txBody>
+                    <a:bodyPr/>
+                    <a:lstStyle/>
+                    <a:p>
+                      <a:pPr latinLnBrk="1"/>
+                      <a:endParaRPr lang="ko-KR" altLang="en-US" dirty="0"/>
+                    </a:p>
+                  </a:txBody>
+                  <a:tcPr/>
+                </a:tc>
+                <a:tc hMerge="1">
+                  <a:txBody>
+                    <a:bodyPr/>
+                    <a:lstStyle/>
+                    <a:p>
+                      <a:pPr latinLnBrk="1"/>
+                      <a:endParaRPr lang="ko-KR" altLang="en-US" dirty="0"/>
+                    </a:p>
+                  </a:txBody>
+                  <a:tcPr/>
+                </a:tc>
+                <a:extLst>
+                  <a:ext uri="{0D108BD9-81ED-4DB2-BD59-A6C34878D82A}">
+                    <a16:rowId xmlns:a16="http://schemas.microsoft.com/office/drawing/2014/main" val="727358803"/>
+                  </a:ext>
+                </a:extLst>
+              </a:tr>
+              <a:tr h="370840">
+                <a:tc>
+                  <a:txBody>
+                    <a:bodyPr/>
+                    <a:lstStyle/>
+                    <a:p>
+                      <a:pPr latinLnBrk="1"/>
+                      <a:r>
+                        <a:rPr lang="en-US" altLang="ko-KR" dirty="0" smtClean="0"/>
+                        <a:t>Column name</a:t>
+                      </a:r>
+                      <a:endParaRPr lang="ko-KR" altLang="en-US" dirty="0"/>
+                    </a:p>
+                  </a:txBody>
+                  <a:tcPr/>
+                </a:tc>
+                <a:tc>
+                  <a:txBody>
+                    <a:bodyPr/>
+                    <a:lstStyle/>
+                    <a:p>
+                      <a:pPr latinLnBrk="1"/>
+                      <a:r>
+                        <a:rPr lang="en-US" altLang="ko-KR" dirty="0" smtClean="0"/>
+                        <a:t>Type</a:t>
+                      </a:r>
+                      <a:endParaRPr lang="ko-KR" altLang="en-US" dirty="0"/>
+                    </a:p>
+                  </a:txBody>
+                  <a:tcPr/>
+                </a:tc>
+                <a:tc>
+                  <a:txBody>
+                    <a:bodyPr/>
+                    <a:lstStyle/>
+                    <a:p>
+                      <a:pPr latinLnBrk="1"/>
+                      <a:r>
+                        <a:rPr lang="en-US" altLang="ko-KR" dirty="0" smtClean="0"/>
+                        <a:t>PK</a:t>
+                      </a:r>
+                      <a:endParaRPr lang="ko-KR" altLang="en-US" dirty="0"/>
+                    </a:p>
+                  </a:txBody>
+                  <a:tcPr/>
+                </a:tc>
+                <a:tc>
+                  <a:txBody>
+                    <a:bodyPr/>
+                    <a:lstStyle/>
+                    <a:p>
+                      <a:pPr latinLnBrk="1"/>
+                      <a:r>
+                        <a:rPr lang="en-US" altLang="ko-KR" dirty="0" smtClean="0"/>
+                        <a:t>NN</a:t>
+                      </a:r>
+                      <a:endParaRPr lang="ko-KR" altLang="en-US" dirty="0"/>
+                    </a:p>
+                  </a:txBody>
+                  <a:tcPr/>
+                </a:tc>
+                <a:tc>
+                  <a:txBody>
+                    <a:bodyPr/>
+                    <a:lstStyle/>
+                    <a:p>
+                      <a:pPr latinLnBrk="1"/>
+                      <a:endParaRPr lang="ko-KR" altLang="en-US" dirty="0"/>
+                    </a:p>
+                  </a:txBody>
+                  <a:tcPr/>
+                </a:tc>
+                <a:tc>
+                  <a:txBody>
+                    <a:bodyPr/>
+                    <a:lstStyle/>
+                    <a:p>
+                      <a:pPr latinLnBrk="1"/>
+                      <a:endParaRPr lang="ko-KR" altLang="en-US" dirty="0"/>
+                    </a:p>
+                  </a:txBody>
+                  <a:tcPr/>
+                </a:tc>
+                <a:tc>
+                  <a:txBody>
+                    <a:bodyPr/>
+                    <a:lstStyle/>
+                    <a:p>
+                      <a:pPr latinLnBrk="1"/>
+                      <a:r>
+                        <a:rPr lang="en-US" altLang="ko-KR" dirty="0" smtClean="0"/>
+                        <a:t>DEFAULT </a:t>
+                      </a:r>
+                      <a:endParaRPr lang="ko-KR" altLang="en-US" dirty="0"/>
+                    </a:p>
+                  </a:txBody>
+                  <a:tcPr/>
+                </a:tc>
+                <a:extLst>
+                  <a:ext uri="{0D108BD9-81ED-4DB2-BD59-A6C34878D82A}">
+                    <a16:rowId xmlns:a16="http://schemas.microsoft.com/office/drawing/2014/main" val="1202187632"/>
+                  </a:ext>
+                </a:extLst>
+              </a:tr>
+              <a:tr h="370840">
+                <a:tc>
+                  <a:txBody>
+                    <a:bodyPr/>
+                    <a:lstStyle/>
+                    <a:p>
+                      <a:pPr marL="0" marR="0" indent="0" algn="l" defTabSz="914400" rtl="0" eaLnBrk="1" fontAlgn="auto" latinLnBrk="1" hangingPunct="1">
+                        <a:lnSpc>
+                          <a:spcPct val="100000"/>
+                        </a:lnSpc>
+                        <a:spcBef>
+                          <a:spcPts val="0"/>
+                        </a:spcBef>
+                        <a:spcAft>
+                          <a:spcPts val="0"/>
+                        </a:spcAft>
+                        <a:buClrTx/>
+                        <a:buSzTx/>
+                        <a:buFontTx/>
+                        <a:buNone/>
+                        <a:tabLst/>
+                        <a:defRPr/>
+                      </a:pPr>
+                      <a:r>
+                        <a:rPr lang="en-US" altLang="ko-KR" dirty="0" smtClean="0"/>
+                        <a:t>Id</a:t>
+                      </a:r>
+                      <a:endParaRPr lang="ko-KR" altLang="en-US" dirty="0" smtClean="0"/>
+                    </a:p>
+                  </a:txBody>
+                  <a:tcPr/>
+                </a:tc>
+                <a:tc>
+                  <a:txBody>
+                    <a:bodyPr/>
+                    <a:lstStyle/>
+                    <a:p>
+                      <a:pPr latinLnBrk="1"/>
+                      <a:r>
+                        <a:rPr lang="en-US" altLang="ko-KR" dirty="0" err="1" smtClean="0"/>
+                        <a:t>Int</a:t>
+                      </a:r>
+                      <a:endParaRPr lang="ko-KR" altLang="en-US" dirty="0"/>
+                    </a:p>
+                  </a:txBody>
+                  <a:tcPr/>
+                </a:tc>
+                <a:tc>
+                  <a:txBody>
+                    <a:bodyPr/>
+                    <a:lstStyle/>
+                    <a:p>
+                      <a:pPr latinLnBrk="1"/>
+                      <a:r>
+                        <a:rPr lang="en-US" altLang="ko-KR" dirty="0" smtClean="0"/>
+                        <a:t>O</a:t>
+                      </a:r>
+                      <a:endParaRPr lang="ko-KR" altLang="en-US" dirty="0"/>
+                    </a:p>
+                  </a:txBody>
+                  <a:tcPr/>
+                </a:tc>
+                <a:tc>
+                  <a:txBody>
+                    <a:bodyPr/>
+                    <a:lstStyle/>
+                    <a:p>
+                      <a:pPr latinLnBrk="1"/>
+                      <a:r>
+                        <a:rPr lang="en-US" altLang="ko-KR" dirty="0" smtClean="0"/>
+                        <a:t>O</a:t>
+                      </a:r>
+                      <a:endParaRPr lang="ko-KR" altLang="en-US" dirty="0"/>
+                    </a:p>
+                  </a:txBody>
+                  <a:tcPr/>
+                </a:tc>
+                <a:tc>
+                  <a:txBody>
+                    <a:bodyPr/>
+                    <a:lstStyle/>
+                    <a:p>
+                      <a:pPr latinLnBrk="1"/>
+                      <a:endParaRPr lang="ko-KR" altLang="en-US" dirty="0"/>
+                    </a:p>
+                  </a:txBody>
+                  <a:tcPr/>
+                </a:tc>
+                <a:tc>
+                  <a:txBody>
+                    <a:bodyPr/>
+                    <a:lstStyle/>
+                    <a:p>
+                      <a:pPr latinLnBrk="1"/>
+                      <a:endParaRPr lang="ko-KR" altLang="en-US" dirty="0"/>
+                    </a:p>
+                  </a:txBody>
+                  <a:tcPr/>
+                </a:tc>
+                <a:tc>
+                  <a:txBody>
+                    <a:bodyPr/>
+                    <a:lstStyle/>
+                    <a:p>
+                      <a:pPr latinLnBrk="1"/>
+                      <a:endParaRPr lang="ko-KR" altLang="en-US" dirty="0"/>
+                    </a:p>
+                  </a:txBody>
+                  <a:tcPr/>
+                </a:tc>
+                <a:extLst>
+                  <a:ext uri="{0D108BD9-81ED-4DB2-BD59-A6C34878D82A}">
+                    <a16:rowId xmlns:a16="http://schemas.microsoft.com/office/drawing/2014/main" val="2845045411"/>
+                  </a:ext>
+                </a:extLst>
+              </a:tr>
+              <a:tr h="370840">
+                <a:tc>
+                  <a:txBody>
+                    <a:bodyPr/>
+                    <a:lstStyle/>
+                    <a:p>
+                      <a:pPr latinLnBrk="1"/>
+                      <a:r>
+                        <a:rPr lang="en-US" altLang="ko-KR" dirty="0" smtClean="0"/>
+                        <a:t>name</a:t>
+                      </a:r>
+                      <a:endParaRPr lang="ko-KR" altLang="en-US" dirty="0"/>
+                    </a:p>
+                  </a:txBody>
+                  <a:tcPr/>
+                </a:tc>
+                <a:tc>
+                  <a:txBody>
+                    <a:bodyPr/>
+                    <a:lstStyle/>
+                    <a:p>
+                      <a:pPr latinLnBrk="1"/>
+                      <a:r>
+                        <a:rPr lang="en-US" altLang="ko-KR" dirty="0" smtClean="0"/>
+                        <a:t>VARCHAR(45)</a:t>
+                      </a:r>
+                      <a:endParaRPr lang="ko-KR" altLang="en-US" dirty="0"/>
+                    </a:p>
+                  </a:txBody>
+                  <a:tcPr/>
+                </a:tc>
+                <a:tc>
+                  <a:txBody>
+                    <a:bodyPr/>
+                    <a:lstStyle/>
+                    <a:p>
+                      <a:pPr latinLnBrk="1"/>
+                      <a:endParaRPr lang="ko-KR" altLang="en-US" dirty="0"/>
+                    </a:p>
+                  </a:txBody>
+                  <a:tcPr/>
+                </a:tc>
+                <a:tc>
+                  <a:txBody>
+                    <a:bodyPr/>
+                    <a:lstStyle/>
+                    <a:p>
+                      <a:pPr latinLnBrk="1"/>
+                      <a:endParaRPr lang="ko-KR" altLang="en-US" dirty="0"/>
+                    </a:p>
+                  </a:txBody>
+                  <a:tcPr/>
+                </a:tc>
+                <a:tc>
+                  <a:txBody>
+                    <a:bodyPr/>
+                    <a:lstStyle/>
+                    <a:p>
+                      <a:pPr latinLnBrk="1"/>
+                      <a:endParaRPr lang="ko-KR" altLang="en-US" dirty="0"/>
+                    </a:p>
+                  </a:txBody>
+                  <a:tcPr/>
+                </a:tc>
+                <a:tc>
+                  <a:txBody>
+                    <a:bodyPr/>
+                    <a:lstStyle/>
+                    <a:p>
+                      <a:pPr latinLnBrk="1"/>
+                      <a:endParaRPr lang="ko-KR" altLang="en-US" dirty="0"/>
+                    </a:p>
+                  </a:txBody>
+                  <a:tcPr/>
+                </a:tc>
+                <a:tc>
+                  <a:txBody>
+                    <a:bodyPr/>
+                    <a:lstStyle/>
+                    <a:p>
+                      <a:pPr latinLnBrk="1"/>
+                      <a:endParaRPr lang="ko-KR" altLang="en-US" dirty="0"/>
+                    </a:p>
+                  </a:txBody>
+                  <a:tcPr/>
+                </a:tc>
+                <a:extLst>
+                  <a:ext uri="{0D108BD9-81ED-4DB2-BD59-A6C34878D82A}">
+                    <a16:rowId xmlns:a16="http://schemas.microsoft.com/office/drawing/2014/main" val="3623716174"/>
+                  </a:ext>
+                </a:extLst>
+              </a:tr>
+            </a:tbl>
+          </a:graphicData>
+        </a:graphic>
+      </p:graphicFrame>
+    </p:spTree>
+    <p:extLst>
+      <p:ext uri="{BB962C8B-B14F-4D97-AF65-F5344CB8AC3E}">
+        <p14:creationId xmlns:p14="http://schemas.microsoft.com/office/powerpoint/2010/main" val="2617567680"/>
+      </p:ext>
+    </p:extLst>
+  </p:cSld>
+  <p:clrMapOvr>
+    <a:masterClrMapping/>
+  </p:clrMapOvr>
+</p:sld>
+</file>
+
+<file path=ppt/slides/slide4.xml><?xml version="1.0" encoding="utf-8"?>
+<p:sld xmlns:a="http://schemas.openxmlformats.org/drawingml/2006/main" xmlns:r="http://schemas.openxmlformats.org/officeDocument/2006/relationships" xmlns:p="http://schemas.openxmlformats.org/presentationml/2006/main">
+  <p:cSld>
+    <p:spTree>
+      <p:nvGrpSpPr>
+        <p:cNvPr id="1" name=""/>
+        <p:cNvGrpSpPr/>
+        <p:nvPr/>
+      </p:nvGrpSpPr>
+      <p:grpSpPr>
+        <a:xfrm>
+          <a:off x="0" y="0"/>
+          <a:ext cx="0" cy="0"/>
+          <a:chOff x="0" y="0"/>
+          <a:chExt cx="0" cy="0"/>
+        </a:xfrm>
+      </p:grpSpPr>
+      <p:sp>
+        <p:nvSpPr>
+          <p:cNvPr id="2" name="제목 1"/>
+          <p:cNvSpPr>
+            <a:spLocks noGrp="1"/>
+          </p:cNvSpPr>
+          <p:nvPr>
+            <p:ph type="title"/>
+          </p:nvPr>
+        </p:nvSpPr>
+        <p:spPr/>
+        <p:txBody>
+          <a:bodyPr/>
+          <a:lstStyle/>
+          <a:p>
+            <a:r>
+              <a:rPr lang="ko-KR" altLang="en-US" dirty="0" smtClean="0"/>
+              <a:t>★ 주문 및 장바구니</a:t>
+            </a:r>
+            <a:endParaRPr lang="ko-KR" altLang="en-US" dirty="0"/>
+          </a:p>
+        </p:txBody>
+      </p:sp>
+      <p:sp>
+        <p:nvSpPr>
+          <p:cNvPr id="3" name="내용 개체 틀 2"/>
+          <p:cNvSpPr>
+            <a:spLocks noGrp="1"/>
+          </p:cNvSpPr>
+          <p:nvPr>
+            <p:ph idx="1"/>
+          </p:nvPr>
+        </p:nvSpPr>
+        <p:spPr>
+          <a:xfrm>
+            <a:off x="838200" y="1565753"/>
+            <a:ext cx="10515600" cy="4611210"/>
+          </a:xfrm>
+        </p:spPr>
+        <p:txBody>
+          <a:bodyPr>
+            <a:normAutofit fontScale="85000" lnSpcReduction="20000"/>
+          </a:bodyPr>
+          <a:lstStyle/>
+          <a:p>
+            <a:pPr marL="0" indent="0">
+              <a:buNone/>
+            </a:pPr>
+            <a:r>
+              <a:rPr lang="en-US" altLang="ko-KR" dirty="0" smtClean="0"/>
+              <a:t>- </a:t>
+            </a:r>
+            <a:r>
+              <a:rPr lang="ko-KR" altLang="en-US" dirty="0" smtClean="0"/>
+              <a:t>주문</a:t>
+            </a:r>
+            <a:endParaRPr lang="en-US" altLang="ko-KR" dirty="0" smtClean="0"/>
+          </a:p>
+          <a:p>
+            <a:pPr marL="0" indent="0">
+              <a:buNone/>
+            </a:pPr>
+            <a:r>
+              <a:rPr lang="en-US" altLang="ko-KR" dirty="0"/>
+              <a:t> </a:t>
+            </a:r>
+            <a:r>
+              <a:rPr lang="en-US" altLang="ko-KR" dirty="0" smtClean="0"/>
+              <a:t>=&gt; </a:t>
+            </a:r>
+            <a:r>
+              <a:rPr lang="ko-KR" altLang="en-US" dirty="0" smtClean="0"/>
+              <a:t>즉석 주문</a:t>
+            </a:r>
+            <a:endParaRPr lang="en-US" altLang="ko-KR" dirty="0" smtClean="0"/>
+          </a:p>
+          <a:p>
+            <a:pPr marL="0" indent="0">
+              <a:buNone/>
+            </a:pPr>
+            <a:r>
+              <a:rPr lang="ko-KR" altLang="en-US" dirty="0" smtClean="0"/>
+              <a:t> </a:t>
+            </a:r>
+            <a:r>
+              <a:rPr lang="en-US" altLang="ko-KR" dirty="0" smtClean="0"/>
+              <a:t>=&gt; </a:t>
+            </a:r>
+            <a:r>
+              <a:rPr lang="ko-KR" altLang="en-US" dirty="0" smtClean="0"/>
+              <a:t>장바구니를 통한 일괄 주문</a:t>
+            </a:r>
+            <a:endParaRPr lang="en-US" altLang="ko-KR" dirty="0" smtClean="0"/>
+          </a:p>
+          <a:p>
+            <a:pPr marL="0" indent="0">
+              <a:buNone/>
+            </a:pPr>
+            <a:r>
+              <a:rPr lang="en-US" altLang="ko-KR" dirty="0"/>
+              <a:t> </a:t>
+            </a:r>
+            <a:r>
+              <a:rPr lang="en-US" altLang="ko-KR" dirty="0" smtClean="0"/>
+              <a:t>=&gt; </a:t>
+            </a:r>
+            <a:r>
+              <a:rPr lang="ko-KR" altLang="en-US" dirty="0" smtClean="0"/>
+              <a:t>주문 화면</a:t>
+            </a:r>
+            <a:endParaRPr lang="en-US" altLang="ko-KR" dirty="0" smtClean="0"/>
+          </a:p>
+          <a:p>
+            <a:pPr>
+              <a:buFontTx/>
+              <a:buChar char="-"/>
+            </a:pPr>
+            <a:r>
+              <a:rPr lang="ko-KR" altLang="en-US" dirty="0" smtClean="0"/>
+              <a:t>상품 리스트 구성 </a:t>
+            </a:r>
+            <a:r>
+              <a:rPr lang="en-US" altLang="ko-KR" dirty="0" smtClean="0"/>
+              <a:t>?</a:t>
+            </a:r>
+          </a:p>
+          <a:p>
+            <a:pPr marL="0" indent="0">
+              <a:buNone/>
+            </a:pPr>
+            <a:r>
+              <a:rPr lang="en-US" altLang="ko-KR" dirty="0"/>
+              <a:t> </a:t>
+            </a:r>
+            <a:r>
+              <a:rPr lang="en-US" altLang="ko-KR" dirty="0" smtClean="0"/>
+              <a:t>=&gt; </a:t>
+            </a:r>
+            <a:r>
+              <a:rPr lang="ko-KR" altLang="en-US" dirty="0" smtClean="0"/>
+              <a:t>부트스트랩 카드 형식으로 나열하되</a:t>
+            </a:r>
+            <a:r>
+              <a:rPr lang="en-US" altLang="ko-KR" dirty="0" smtClean="0"/>
+              <a:t>, </a:t>
+            </a:r>
+            <a:r>
+              <a:rPr lang="ko-KR" altLang="en-US" dirty="0" err="1" smtClean="0"/>
+              <a:t>페이징</a:t>
+            </a:r>
+            <a:r>
+              <a:rPr lang="ko-KR" altLang="en-US" dirty="0" smtClean="0"/>
+              <a:t> 및 검색 기능 추가</a:t>
+            </a:r>
+            <a:r>
+              <a:rPr lang="en-US" altLang="ko-KR" dirty="0" smtClean="0"/>
+              <a:t>.</a:t>
+            </a:r>
+          </a:p>
+          <a:p>
+            <a:pPr marL="0" indent="0">
+              <a:buNone/>
+            </a:pPr>
+            <a:r>
+              <a:rPr lang="en-US" altLang="ko-KR" dirty="0" smtClean="0"/>
+              <a:t>- </a:t>
+            </a:r>
+            <a:r>
+              <a:rPr lang="ko-KR" altLang="en-US" dirty="0" smtClean="0"/>
+              <a:t>상품 정보 </a:t>
+            </a:r>
+            <a:r>
+              <a:rPr lang="en-US" altLang="ko-KR" dirty="0" smtClean="0"/>
+              <a:t>?</a:t>
+            </a:r>
+          </a:p>
+          <a:p>
+            <a:pPr marL="0" indent="0">
+              <a:buNone/>
+            </a:pPr>
+            <a:r>
+              <a:rPr lang="en-US" altLang="ko-KR" dirty="0"/>
+              <a:t> </a:t>
+            </a:r>
+            <a:r>
+              <a:rPr lang="en-US" altLang="ko-KR" dirty="0" smtClean="0"/>
+              <a:t>=&gt; </a:t>
+            </a:r>
+            <a:r>
+              <a:rPr lang="ko-KR" altLang="en-US" dirty="0" smtClean="0"/>
+              <a:t>메인 이미지 </a:t>
+            </a:r>
+            <a:r>
+              <a:rPr lang="en-US" altLang="ko-KR" dirty="0" smtClean="0"/>
+              <a:t>-&gt; </a:t>
+            </a:r>
+            <a:r>
+              <a:rPr lang="ko-KR" altLang="en-US" dirty="0" smtClean="0"/>
+              <a:t>추가적인 첨부 이미지 구성 최대 개수 </a:t>
+            </a:r>
+            <a:r>
+              <a:rPr lang="en-US" altLang="ko-KR" dirty="0" smtClean="0"/>
+              <a:t>5</a:t>
+            </a:r>
+          </a:p>
+          <a:p>
+            <a:pPr marL="0" indent="0">
+              <a:buNone/>
+            </a:pPr>
+            <a:r>
+              <a:rPr lang="en-US" altLang="ko-KR" dirty="0" smtClean="0"/>
+              <a:t> =&gt; </a:t>
+            </a:r>
+            <a:r>
+              <a:rPr lang="ko-KR" altLang="en-US" dirty="0" smtClean="0"/>
+              <a:t>상품 세부 내용 기입</a:t>
+            </a:r>
+            <a:endParaRPr lang="en-US" altLang="ko-KR" dirty="0" smtClean="0"/>
+          </a:p>
+          <a:p>
+            <a:pPr marL="0" indent="0">
+              <a:buNone/>
+            </a:pPr>
+            <a:r>
+              <a:rPr lang="en-US" altLang="ko-KR" dirty="0"/>
+              <a:t> </a:t>
+            </a:r>
+            <a:r>
+              <a:rPr lang="en-US" altLang="ko-KR" dirty="0" smtClean="0"/>
+              <a:t>=&gt; ( </a:t>
+            </a:r>
+            <a:r>
+              <a:rPr lang="ko-KR" altLang="en-US" dirty="0" smtClean="0"/>
+              <a:t>시간 나면 </a:t>
+            </a:r>
+            <a:r>
+              <a:rPr lang="en-US" altLang="ko-KR" dirty="0" smtClean="0"/>
+              <a:t>) </a:t>
+            </a:r>
+            <a:r>
+              <a:rPr lang="ko-KR" altLang="en-US" dirty="0" err="1" smtClean="0"/>
+              <a:t>계층형</a:t>
+            </a:r>
+            <a:r>
+              <a:rPr lang="ko-KR" altLang="en-US" dirty="0" smtClean="0"/>
+              <a:t> 댓글 구성</a:t>
+            </a:r>
+            <a:endParaRPr lang="en-US" altLang="ko-KR" dirty="0" smtClean="0"/>
+          </a:p>
+          <a:p>
+            <a:pPr marL="0" indent="0">
+              <a:buNone/>
+            </a:pPr>
+            <a:endParaRPr lang="en-US" altLang="ko-KR" dirty="0"/>
+          </a:p>
+          <a:p>
+            <a:pPr marL="0" indent="0">
+              <a:buNone/>
+            </a:pPr>
+            <a:r>
+              <a:rPr lang="ko-KR" altLang="en-US" dirty="0" smtClean="0"/>
+              <a:t>구현 순서는 상품 세부 정보 </a:t>
+            </a:r>
+            <a:r>
+              <a:rPr lang="en-US" altLang="ko-KR" dirty="0" smtClean="0"/>
+              <a:t>-&gt; </a:t>
+            </a:r>
+            <a:r>
+              <a:rPr lang="ko-KR" altLang="en-US" dirty="0" smtClean="0"/>
+              <a:t>리스트 </a:t>
+            </a:r>
+            <a:r>
+              <a:rPr lang="en-US" altLang="ko-KR" dirty="0" smtClean="0"/>
+              <a:t>-&gt; </a:t>
+            </a:r>
+            <a:r>
+              <a:rPr lang="ko-KR" altLang="en-US" dirty="0" smtClean="0"/>
+              <a:t>주문 및 장바구니</a:t>
+            </a:r>
+            <a:endParaRPr lang="en-US" altLang="ko-KR" dirty="0" smtClean="0"/>
+          </a:p>
+        </p:txBody>
+      </p:sp>
+    </p:spTree>
+    <p:extLst>
+      <p:ext uri="{BB962C8B-B14F-4D97-AF65-F5344CB8AC3E}">
+        <p14:creationId xmlns:p14="http://schemas.microsoft.com/office/powerpoint/2010/main" val="64867732"/>
       </p:ext>
     </p:extLst>
   </p:cSld>
